--- a/week03/day05/demo/ppt-w03.pptx
+++ b/week03/day05/demo/ppt-w03.pptx
@@ -5,15 +5,21 @@
     <p:sldMasterId id="2147483672" r:id="rId1"/>
   </p:sldMasterIdLst>
   <p:notesMasterIdLst>
-    <p:notesMasterId r:id="rId8"/>
+    <p:notesMasterId r:id="rId11"/>
   </p:notesMasterIdLst>
+  <p:handoutMasterIdLst>
+    <p:handoutMasterId r:id="rId12"/>
+  </p:handoutMasterIdLst>
   <p:sldIdLst>
     <p:sldId id="256" r:id="rId2"/>
-    <p:sldId id="257" r:id="rId3"/>
-    <p:sldId id="258" r:id="rId4"/>
-    <p:sldId id="259" r:id="rId5"/>
-    <p:sldId id="260" r:id="rId6"/>
-    <p:sldId id="262" r:id="rId7"/>
+    <p:sldId id="258" r:id="rId3"/>
+    <p:sldId id="259" r:id="rId4"/>
+    <p:sldId id="268" r:id="rId5"/>
+    <p:sldId id="269" r:id="rId6"/>
+    <p:sldId id="267" r:id="rId7"/>
+    <p:sldId id="266" r:id="rId8"/>
+    <p:sldId id="265" r:id="rId9"/>
+    <p:sldId id="262" r:id="rId10"/>
   </p:sldIdLst>
   <p:sldSz cx="9144000" cy="6858000" type="screen4x3"/>
   <p:notesSz cx="6858000" cy="9144000"/>
@@ -112,7 +118,209 @@
       </a:defRPr>
     </a:lvl9pPr>
   </p:defaultTextStyle>
+  <p:extLst>
+    <p:ext uri="{EFAFB233-063F-42B5-8137-9DF3F51BA10A}">
+      <p15:sldGuideLst xmlns:p15="http://schemas.microsoft.com/office/powerpoint/2012/main"/>
+    </p:ext>
+  </p:extLst>
 </p:presentation>
+</file>
+
+<file path=ppt/revisionInfo.xml><?xml version="1.0" encoding="utf-8"?>
+<p1510:revInfo xmlns:a="http://schemas.openxmlformats.org/drawingml/2006/main" xmlns:r="http://schemas.openxmlformats.org/officeDocument/2006/relationships" xmlns:p1510="http://schemas.microsoft.com/office/powerpoint/2015/10/main"/>
+</file>
+
+<file path=ppt/handoutMasters/handoutMaster1.xml><?xml version="1.0" encoding="utf-8"?>
+<p:handoutMaster xmlns:a="http://schemas.openxmlformats.org/drawingml/2006/main" xmlns:r="http://schemas.openxmlformats.org/officeDocument/2006/relationships" xmlns:p="http://schemas.openxmlformats.org/presentationml/2006/main">
+  <p:cSld>
+    <p:bg>
+      <p:bgRef idx="1001">
+        <a:schemeClr val="bg1"/>
+      </p:bgRef>
+    </p:bg>
+    <p:spTree>
+      <p:nvGrpSpPr>
+        <p:cNvPr id="1" name=""/>
+        <p:cNvGrpSpPr/>
+        <p:nvPr/>
+      </p:nvGrpSpPr>
+      <p:grpSpPr>
+        <a:xfrm>
+          <a:off x="0" y="0"/>
+          <a:ext cx="0" cy="0"/>
+          <a:chOff x="0" y="0"/>
+          <a:chExt cx="0" cy="0"/>
+        </a:xfrm>
+      </p:grpSpPr>
+      <p:sp>
+        <p:nvSpPr>
+          <p:cNvPr id="2" name="Élőfej helye 1">
+            <a:extLst>
+              <a:ext uri="{FF2B5EF4-FFF2-40B4-BE49-F238E27FC236}">
+                <a16:creationId xmlns:a16="http://schemas.microsoft.com/office/drawing/2014/main" id="{AF2E7630-9513-4A59-BFA0-8A1874E99924}"/>
+              </a:ext>
+            </a:extLst>
+          </p:cNvPr>
+          <p:cNvSpPr>
+            <a:spLocks noGrp="1"/>
+          </p:cNvSpPr>
+          <p:nvPr>
+            <p:ph type="hdr" sz="quarter"/>
+          </p:nvPr>
+        </p:nvSpPr>
+        <p:spPr>
+          <a:xfrm>
+            <a:off x="0" y="0"/>
+            <a:ext cx="2971800" cy="458788"/>
+          </a:xfrm>
+          <a:prstGeom prst="rect">
+            <a:avLst/>
+          </a:prstGeom>
+        </p:spPr>
+        <p:txBody>
+          <a:bodyPr vert="horz" lIns="91440" tIns="45720" rIns="91440" bIns="45720" rtlCol="0"/>
+          <a:lstStyle>
+            <a:lvl1pPr algn="l">
+              <a:defRPr sz="1200"/>
+            </a:lvl1pPr>
+          </a:lstStyle>
+          <a:p>
+            <a:r>
+              <a:rPr lang="en-GB"/>
+              <a:t>Review of the third week</a:t>
+            </a:r>
+          </a:p>
+        </p:txBody>
+      </p:sp>
+      <p:sp>
+        <p:nvSpPr>
+          <p:cNvPr id="3" name="Dátum helye 2">
+            <a:extLst>
+              <a:ext uri="{FF2B5EF4-FFF2-40B4-BE49-F238E27FC236}">
+                <a16:creationId xmlns:a16="http://schemas.microsoft.com/office/drawing/2014/main" id="{E692608B-8A63-4B7F-AC75-8F8FD26A3960}"/>
+              </a:ext>
+            </a:extLst>
+          </p:cNvPr>
+          <p:cNvSpPr>
+            <a:spLocks noGrp="1"/>
+          </p:cNvSpPr>
+          <p:nvPr>
+            <p:ph type="dt" sz="quarter" idx="1"/>
+          </p:nvPr>
+        </p:nvSpPr>
+        <p:spPr>
+          <a:xfrm>
+            <a:off x="3884613" y="0"/>
+            <a:ext cx="2971800" cy="458788"/>
+          </a:xfrm>
+          <a:prstGeom prst="rect">
+            <a:avLst/>
+          </a:prstGeom>
+        </p:spPr>
+        <p:txBody>
+          <a:bodyPr vert="horz" lIns="91440" tIns="45720" rIns="91440" bIns="45720" rtlCol="0"/>
+          <a:lstStyle>
+            <a:lvl1pPr algn="r">
+              <a:defRPr sz="1200"/>
+            </a:lvl1pPr>
+          </a:lstStyle>
+          <a:p>
+            <a:fld id="{B3B35455-6C5E-4F5D-9A24-8D6FE4C12CB5}" type="datetimeFigureOut">
+              <a:rPr lang="en-GB" smtClean="0"/>
+              <a:t>22/09/2017</a:t>
+            </a:fld>
+            <a:endParaRPr lang="en-GB"/>
+          </a:p>
+        </p:txBody>
+      </p:sp>
+      <p:sp>
+        <p:nvSpPr>
+          <p:cNvPr id="4" name="Élőláb helye 3">
+            <a:extLst>
+              <a:ext uri="{FF2B5EF4-FFF2-40B4-BE49-F238E27FC236}">
+                <a16:creationId xmlns:a16="http://schemas.microsoft.com/office/drawing/2014/main" id="{892091BC-C5DC-49FA-A0BB-7CF5B624D9A0}"/>
+              </a:ext>
+            </a:extLst>
+          </p:cNvPr>
+          <p:cNvSpPr>
+            <a:spLocks noGrp="1"/>
+          </p:cNvSpPr>
+          <p:nvPr>
+            <p:ph type="ftr" sz="quarter" idx="2"/>
+          </p:nvPr>
+        </p:nvSpPr>
+        <p:spPr>
+          <a:xfrm>
+            <a:off x="0" y="8685213"/>
+            <a:ext cx="2971800" cy="458787"/>
+          </a:xfrm>
+          <a:prstGeom prst="rect">
+            <a:avLst/>
+          </a:prstGeom>
+        </p:spPr>
+        <p:txBody>
+          <a:bodyPr vert="horz" lIns="91440" tIns="45720" rIns="91440" bIns="45720" rtlCol="0" anchor="b"/>
+          <a:lstStyle>
+            <a:lvl1pPr algn="l">
+              <a:defRPr sz="1200"/>
+            </a:lvl1pPr>
+          </a:lstStyle>
+          <a:p>
+            <a:endParaRPr lang="en-GB"/>
+          </a:p>
+        </p:txBody>
+      </p:sp>
+      <p:sp>
+        <p:nvSpPr>
+          <p:cNvPr id="5" name="Dia számának helye 4">
+            <a:extLst>
+              <a:ext uri="{FF2B5EF4-FFF2-40B4-BE49-F238E27FC236}">
+                <a16:creationId xmlns:a16="http://schemas.microsoft.com/office/drawing/2014/main" id="{65D02619-16D1-4354-A252-6519C3FAB169}"/>
+              </a:ext>
+            </a:extLst>
+          </p:cNvPr>
+          <p:cNvSpPr>
+            <a:spLocks noGrp="1"/>
+          </p:cNvSpPr>
+          <p:nvPr>
+            <p:ph type="sldNum" sz="quarter" idx="3"/>
+          </p:nvPr>
+        </p:nvSpPr>
+        <p:spPr>
+          <a:xfrm>
+            <a:off x="3884613" y="8685213"/>
+            <a:ext cx="2971800" cy="458787"/>
+          </a:xfrm>
+          <a:prstGeom prst="rect">
+            <a:avLst/>
+          </a:prstGeom>
+        </p:spPr>
+        <p:txBody>
+          <a:bodyPr vert="horz" lIns="91440" tIns="45720" rIns="91440" bIns="45720" rtlCol="0" anchor="b"/>
+          <a:lstStyle>
+            <a:lvl1pPr algn="r">
+              <a:defRPr sz="1200"/>
+            </a:lvl1pPr>
+          </a:lstStyle>
+          <a:p>
+            <a:fld id="{A6E8CBAC-35DA-442B-9725-C08B043CF4EE}" type="slidenum">
+              <a:rPr lang="en-GB" smtClean="0"/>
+              <a:t>‹#›</a:t>
+            </a:fld>
+            <a:endParaRPr lang="en-GB"/>
+          </a:p>
+        </p:txBody>
+      </p:sp>
+    </p:spTree>
+    <p:extLst>
+      <p:ext uri="{BB962C8B-B14F-4D97-AF65-F5344CB8AC3E}">
+        <p14:creationId xmlns:p14="http://schemas.microsoft.com/office/powerpoint/2010/main" val="3054203301"/>
+      </p:ext>
+    </p:extLst>
+  </p:cSld>
+  <p:clrMap bg1="lt1" tx1="dk1" bg2="lt2" tx2="dk2" accent1="accent1" accent2="accent2" accent3="accent3" accent4="accent4" accent5="accent5" accent6="accent6" hlink="hlink" folHlink="folHlink"/>
+  <p:hf ftr="0" dt="0"/>
+</p:handoutMaster>
 </file>
 
 <file path=ppt/notesMasters/notesMaster1.xml><?xml version="1.0" encoding="utf-8"?>
@@ -164,7 +372,10 @@
             </a:lvl1pPr>
           </a:lstStyle>
           <a:p>
-            <a:endParaRPr lang="en-GB"/>
+            <a:r>
+              <a:rPr lang="en-GB"/>
+              <a:t>Review of the third week</a:t>
+            </a:r>
           </a:p>
         </p:txBody>
       </p:sp>
@@ -197,7 +408,7 @@
           <a:p>
             <a:fld id="{EACF793B-1BB6-40BF-B3D4-6254EED7B63C}" type="datetimeFigureOut">
               <a:rPr lang="en-GB" smtClean="0"/>
-              <a:t>21/09/2017</a:t>
+              <a:t>22/09/2017</a:t>
             </a:fld>
             <a:endParaRPr lang="en-GB"/>
           </a:p>
@@ -370,6 +581,7 @@
     </p:extLst>
   </p:cSld>
   <p:clrMap bg1="lt1" tx1="dk1" bg2="lt2" tx2="dk2" accent1="accent1" accent2="accent2" accent3="accent3" accent4="accent4" accent5="accent5" accent6="accent6" hlink="hlink" folHlink="folHlink"/>
+  <p:hf ftr="0" dt="0"/>
   <p:notesStyle>
     <a:lvl1pPr marL="0" algn="l" defTabSz="914400" rtl="0" eaLnBrk="1" latinLnBrk="0" hangingPunct="1">
       <a:defRPr sz="1200" kern="1200">
@@ -714,7 +926,7 @@
           <a:p>
             <a:r>
               <a:rPr lang="en-GB"/>
-              <a:t>Kiss Boldizsár</a:t>
+              <a:t>Boldizsár Kiss</a:t>
             </a:r>
           </a:p>
         </p:txBody>
@@ -925,7 +1137,7 @@
           <a:p>
             <a:r>
               <a:rPr lang="en-GB"/>
-              <a:t>Kiss Boldizsár</a:t>
+              <a:t>Boldizsár Kiss</a:t>
             </a:r>
           </a:p>
         </p:txBody>
@@ -1184,7 +1396,7 @@
           <a:p>
             <a:r>
               <a:rPr lang="en-GB"/>
-              <a:t>Kiss Boldizsár</a:t>
+              <a:t>Boldizsár Kiss</a:t>
             </a:r>
           </a:p>
         </p:txBody>
@@ -1357,7 +1569,7 @@
           <a:p>
             <a:r>
               <a:rPr lang="en-GB"/>
-              <a:t>Kiss Boldizsár</a:t>
+              <a:t>Boldizsár Kiss</a:t>
             </a:r>
           </a:p>
         </p:txBody>
@@ -1703,7 +1915,7 @@
           <a:p>
             <a:r>
               <a:rPr lang="en-GB"/>
-              <a:t>Kiss Boldizsár</a:t>
+              <a:t>Boldizsár Kiss</a:t>
             </a:r>
           </a:p>
         </p:txBody>
@@ -1981,7 +2193,7 @@
           <a:p>
             <a:r>
               <a:rPr lang="en-GB"/>
-              <a:t>Kiss Boldizsár</a:t>
+              <a:t>Boldizsár Kiss</a:t>
             </a:r>
           </a:p>
         </p:txBody>
@@ -2363,7 +2575,7 @@
           <a:p>
             <a:r>
               <a:rPr lang="en-GB"/>
-              <a:t>Kiss Boldizsár</a:t>
+              <a:t>Boldizsár Kiss</a:t>
             </a:r>
           </a:p>
         </p:txBody>
@@ -2484,7 +2696,7 @@
           <a:p>
             <a:r>
               <a:rPr lang="en-GB"/>
-              <a:t>Kiss Boldizsár</a:t>
+              <a:t>Boldizsár Kiss</a:t>
             </a:r>
           </a:p>
         </p:txBody>
@@ -2666,7 +2878,7 @@
           <a:p>
             <a:r>
               <a:rPr lang="en-GB"/>
-              <a:t>Kiss Boldizsár</a:t>
+              <a:t>Boldizsár Kiss</a:t>
             </a:r>
           </a:p>
         </p:txBody>
@@ -3028,7 +3240,7 @@
           <a:p>
             <a:r>
               <a:rPr lang="en-GB"/>
-              <a:t>Kiss Boldizsár</a:t>
+              <a:t>Boldizsár Kiss</a:t>
             </a:r>
           </a:p>
         </p:txBody>
@@ -3400,7 +3612,7 @@
           <a:p>
             <a:r>
               <a:rPr lang="en-GB"/>
-              <a:t>Kiss Boldizsár</a:t>
+              <a:t>Boldizsár Kiss</a:t>
             </a:r>
           </a:p>
         </p:txBody>
@@ -3706,7 +3918,7 @@
           <a:p>
             <a:r>
               <a:rPr lang="en-GB"/>
-              <a:t>Kiss Boldizsár</a:t>
+              <a:t>Boldizsár Kiss</a:t>
             </a:r>
           </a:p>
         </p:txBody>
@@ -4211,48 +4423,83 @@
             <p:ph type="ctrTitle"/>
           </p:nvPr>
         </p:nvSpPr>
-        <p:spPr/>
-        <p:txBody>
-          <a:bodyPr/>
+        <p:spPr>
+          <a:xfrm>
+            <a:off x="822960" y="758952"/>
+            <a:ext cx="7543800" cy="3150439"/>
+          </a:xfrm>
+        </p:spPr>
+        <p:txBody>
+          <a:bodyPr>
+            <a:normAutofit/>
+          </a:bodyPr>
           <a:lstStyle/>
           <a:p>
             <a:pPr algn="ctr"/>
             <a:r>
-              <a:rPr lang="hu-HU" dirty="0" err="1">
+              <a:rPr lang="hu-HU" sz="5000" dirty="0" err="1">
                 <a:latin typeface="Helvetica" panose="020B0604020202020204" pitchFamily="34" charset="0"/>
                 <a:cs typeface="Helvetica" panose="020B0604020202020204" pitchFamily="34" charset="0"/>
               </a:rPr>
-              <a:t>Click</a:t>
-            </a:r>
-            <a:r>
-              <a:rPr lang="hu-HU" dirty="0">
+              <a:t>Triangles</a:t>
+            </a:r>
+            <a:r>
+              <a:rPr lang="hu-HU" sz="5000" dirty="0">
+                <a:latin typeface="Helvetica" panose="020B0604020202020204" pitchFamily="34" charset="0"/>
+                <a:cs typeface="Helvetica" panose="020B0604020202020204" pitchFamily="34" charset="0"/>
+              </a:rPr>
+              <a:t>, </a:t>
+            </a:r>
+            <a:r>
+              <a:rPr lang="hu-HU" sz="5000" dirty="0" err="1">
+                <a:latin typeface="Helvetica" panose="020B0604020202020204" pitchFamily="34" charset="0"/>
+                <a:cs typeface="Helvetica" panose="020B0604020202020204" pitchFamily="34" charset="0"/>
+              </a:rPr>
+              <a:t>circles</a:t>
+            </a:r>
+            <a:r>
+              <a:rPr lang="hu-HU" sz="5000" dirty="0">
+                <a:latin typeface="Helvetica" panose="020B0604020202020204" pitchFamily="34" charset="0"/>
+                <a:cs typeface="Helvetica" panose="020B0604020202020204" pitchFamily="34" charset="0"/>
+              </a:rPr>
+              <a:t> and </a:t>
+            </a:r>
+            <a:r>
+              <a:rPr lang="hu-HU" sz="5000" dirty="0" err="1">
+                <a:latin typeface="Helvetica" panose="020B0604020202020204" pitchFamily="34" charset="0"/>
+                <a:cs typeface="Helvetica" panose="020B0604020202020204" pitchFamily="34" charset="0"/>
+              </a:rPr>
+              <a:t>other</a:t>
+            </a:r>
+            <a:r>
+              <a:rPr lang="hu-HU" sz="5000" dirty="0">
+                <a:latin typeface="Helvetica" panose="020B0604020202020204" pitchFamily="34" charset="0"/>
+                <a:cs typeface="Helvetica" panose="020B0604020202020204" pitchFamily="34" charset="0"/>
+              </a:rPr>
+              <a:t> mind-</a:t>
+            </a:r>
+            <a:r>
+              <a:rPr lang="hu-HU" sz="5000" dirty="0" err="1">
+                <a:latin typeface="Helvetica" panose="020B0604020202020204" pitchFamily="34" charset="0"/>
+                <a:cs typeface="Helvetica" panose="020B0604020202020204" pitchFamily="34" charset="0"/>
+              </a:rPr>
+              <a:t>blowing</a:t>
+            </a:r>
+            <a:r>
+              <a:rPr lang="hu-HU" sz="5000" dirty="0">
                 <a:latin typeface="Helvetica" panose="020B0604020202020204" pitchFamily="34" charset="0"/>
                 <a:cs typeface="Helvetica" panose="020B0604020202020204" pitchFamily="34" charset="0"/>
               </a:rPr>
               <a:t> </a:t>
             </a:r>
             <a:r>
-              <a:rPr lang="hu-HU" dirty="0" err="1">
+              <a:rPr lang="hu-HU" sz="5000" dirty="0" err="1">
                 <a:latin typeface="Helvetica" panose="020B0604020202020204" pitchFamily="34" charset="0"/>
                 <a:cs typeface="Helvetica" panose="020B0604020202020204" pitchFamily="34" charset="0"/>
               </a:rPr>
-              <a:t>to</a:t>
-            </a:r>
-            <a:r>
-              <a:rPr lang="hu-HU" dirty="0">
-                <a:latin typeface="Helvetica" panose="020B0604020202020204" pitchFamily="34" charset="0"/>
-                <a:cs typeface="Helvetica" panose="020B0604020202020204" pitchFamily="34" charset="0"/>
-              </a:rPr>
-              <a:t> add </a:t>
-            </a:r>
-            <a:r>
-              <a:rPr lang="hu-HU" dirty="0" err="1">
-                <a:latin typeface="Helvetica" panose="020B0604020202020204" pitchFamily="34" charset="0"/>
-                <a:cs typeface="Helvetica" panose="020B0604020202020204" pitchFamily="34" charset="0"/>
-              </a:rPr>
-              <a:t>title</a:t>
-            </a:r>
-            <a:endParaRPr lang="en-GB" dirty="0">
+              <a:t>things</a:t>
+            </a:r>
+            <a:endParaRPr lang="en-GB" sz="5000" dirty="0">
               <a:latin typeface="Helvetica" panose="020B0604020202020204" pitchFamily="34" charset="0"/>
               <a:cs typeface="Helvetica" panose="020B0604020202020204" pitchFamily="34" charset="0"/>
             </a:endParaRPr>
@@ -4347,7 +4594,7 @@
           <a:p>
             <a:r>
               <a:rPr lang="en-GB"/>
-              <a:t>Kiss Boldizsár</a:t>
+              <a:t>Boldizsár Kiss</a:t>
             </a:r>
           </a:p>
         </p:txBody>
@@ -4391,11 +4638,11 @@
   <p:clrMapOvr>
     <a:masterClrMapping/>
   </p:clrMapOvr>
-  <mc:AlternateContent xmlns:mc="http://schemas.openxmlformats.org/markup-compatibility/2006">
-    <mc:Choice xmlns:p14="http://schemas.microsoft.com/office/powerpoint/2010/main" Requires="p14">
+  <mc:AlternateContent xmlns:mc="http://schemas.openxmlformats.org/markup-compatibility/2006" xmlns:p14="http://schemas.microsoft.com/office/powerpoint/2010/main">
+    <mc:Choice Requires="p14">
       <p:transition p14:dur="10"/>
     </mc:Choice>
-    <mc:Fallback>
+    <mc:Fallback xmlns="">
       <p:transition/>
     </mc:Fallback>
   </mc:AlternateContent>
@@ -4435,73 +4682,22 @@
             <p:ph type="title"/>
           </p:nvPr>
         </p:nvSpPr>
-        <p:spPr/>
+        <p:spPr>
+          <a:xfrm>
+            <a:off x="822960" y="286604"/>
+            <a:ext cx="7543800" cy="1450757"/>
+          </a:xfrm>
+        </p:spPr>
         <p:txBody>
           <a:bodyPr/>
           <a:lstStyle/>
           <a:p>
-            <a:r>
-              <a:rPr lang="hu-HU" dirty="0" err="1">
-                <a:latin typeface="Helvetica" panose="020B0604020202020204" pitchFamily="34" charset="0"/>
-                <a:cs typeface="Helvetica" panose="020B0604020202020204" pitchFamily="34" charset="0"/>
-              </a:rPr>
-              <a:t>Social</a:t>
-            </a:r>
             <a:r>
               <a:rPr lang="hu-HU" dirty="0">
                 <a:latin typeface="Helvetica" panose="020B0604020202020204" pitchFamily="34" charset="0"/>
                 <a:cs typeface="Helvetica" panose="020B0604020202020204" pitchFamily="34" charset="0"/>
               </a:rPr>
-              <a:t> </a:t>
-            </a:r>
-            <a:r>
-              <a:rPr lang="hu-HU" dirty="0" err="1">
-                <a:latin typeface="Helvetica" panose="020B0604020202020204" pitchFamily="34" charset="0"/>
-                <a:cs typeface="Helvetica" panose="020B0604020202020204" pitchFamily="34" charset="0"/>
-              </a:rPr>
-              <a:t>skill</a:t>
-            </a:r>
-            <a:r>
-              <a:rPr lang="hu-HU" dirty="0">
-                <a:latin typeface="Helvetica" panose="020B0604020202020204" pitchFamily="34" charset="0"/>
-                <a:cs typeface="Helvetica" panose="020B0604020202020204" pitchFamily="34" charset="0"/>
-              </a:rPr>
-              <a:t> </a:t>
-            </a:r>
-            <a:r>
-              <a:rPr lang="hu-HU" dirty="0" err="1">
-                <a:latin typeface="Helvetica" panose="020B0604020202020204" pitchFamily="34" charset="0"/>
-                <a:cs typeface="Helvetica" panose="020B0604020202020204" pitchFamily="34" charset="0"/>
-              </a:rPr>
-              <a:t>improvement</a:t>
-            </a:r>
-            <a:r>
-              <a:rPr lang="hu-HU" dirty="0">
-                <a:latin typeface="Helvetica" panose="020B0604020202020204" pitchFamily="34" charset="0"/>
-                <a:cs typeface="Helvetica" panose="020B0604020202020204" pitchFamily="34" charset="0"/>
-              </a:rPr>
-              <a:t>, </a:t>
-            </a:r>
-            <a:r>
-              <a:rPr lang="hu-HU" dirty="0" err="1">
-                <a:latin typeface="Helvetica" panose="020B0604020202020204" pitchFamily="34" charset="0"/>
-                <a:cs typeface="Helvetica" panose="020B0604020202020204" pitchFamily="34" charset="0"/>
-              </a:rPr>
-              <a:t>trial</a:t>
-            </a:r>
-            <a:r>
-              <a:rPr lang="hu-HU" dirty="0">
-                <a:latin typeface="Helvetica" panose="020B0604020202020204" pitchFamily="34" charset="0"/>
-                <a:cs typeface="Helvetica" panose="020B0604020202020204" pitchFamily="34" charset="0"/>
-              </a:rPr>
-              <a:t> </a:t>
-            </a:r>
-            <a:r>
-              <a:rPr lang="hu-HU" dirty="0" err="1">
-                <a:latin typeface="Helvetica" panose="020B0604020202020204" pitchFamily="34" charset="0"/>
-                <a:cs typeface="Helvetica" panose="020B0604020202020204" pitchFamily="34" charset="0"/>
-              </a:rPr>
-              <a:t>exam</a:t>
+              <a:t>Drawing</a:t>
             </a:r>
             <a:endParaRPr lang="en-GB" dirty="0">
               <a:latin typeface="Helvetica" panose="020B0604020202020204" pitchFamily="34" charset="0"/>
@@ -4526,12 +4722,90 @@
             <p:ph idx="1"/>
           </p:nvPr>
         </p:nvSpPr>
-        <p:spPr/>
-        <p:txBody>
-          <a:bodyPr/>
-          <a:lstStyle/>
-          <a:p>
-            <a:endParaRPr lang="en-GB" dirty="0">
+        <p:spPr>
+          <a:xfrm>
+            <a:off x="822959" y="1845734"/>
+            <a:ext cx="7543801" cy="4023360"/>
+          </a:xfrm>
+        </p:spPr>
+        <p:txBody>
+          <a:bodyPr>
+            <a:normAutofit/>
+          </a:bodyPr>
+          <a:lstStyle/>
+          <a:p>
+            <a:r>
+              <a:rPr lang="hu-HU" sz="2800" dirty="0" err="1">
+                <a:latin typeface="Helvetica" panose="020B0604020202020204" pitchFamily="34" charset="0"/>
+                <a:cs typeface="Helvetica" panose="020B0604020202020204" pitchFamily="34" charset="0"/>
+              </a:rPr>
+              <a:t>Graphic</a:t>
+            </a:r>
+            <a:r>
+              <a:rPr lang="hu-HU" sz="2800" dirty="0">
+                <a:latin typeface="Helvetica" panose="020B0604020202020204" pitchFamily="34" charset="0"/>
+                <a:cs typeface="Helvetica" panose="020B0604020202020204" pitchFamily="34" charset="0"/>
+              </a:rPr>
+              <a:t> display</a:t>
+            </a:r>
+          </a:p>
+          <a:p>
+            <a:r>
+              <a:rPr lang="hu-HU" sz="2800" dirty="0">
+                <a:latin typeface="Helvetica" panose="020B0604020202020204" pitchFamily="34" charset="0"/>
+                <a:cs typeface="Helvetica" panose="020B0604020202020204" pitchFamily="34" charset="0"/>
+              </a:rPr>
+              <a:t>WPF app</a:t>
+            </a:r>
+          </a:p>
+          <a:p>
+            <a:r>
+              <a:rPr lang="hu-HU" sz="2800" dirty="0">
+                <a:latin typeface="Helvetica" panose="020B0604020202020204" pitchFamily="34" charset="0"/>
+                <a:cs typeface="Helvetica" panose="020B0604020202020204" pitchFamily="34" charset="0"/>
+              </a:rPr>
+              <a:t>XAML </a:t>
+            </a:r>
+            <a:r>
+              <a:rPr lang="hu-HU" sz="2800" dirty="0" err="1">
+                <a:latin typeface="Helvetica" panose="020B0604020202020204" pitchFamily="34" charset="0"/>
+                <a:cs typeface="Helvetica" panose="020B0604020202020204" pitchFamily="34" charset="0"/>
+              </a:rPr>
+              <a:t>files</a:t>
+            </a:r>
+            <a:r>
+              <a:rPr lang="hu-HU" sz="2800" dirty="0">
+                <a:latin typeface="Helvetica" panose="020B0604020202020204" pitchFamily="34" charset="0"/>
+                <a:cs typeface="Helvetica" panose="020B0604020202020204" pitchFamily="34" charset="0"/>
+              </a:rPr>
+              <a:t> (</a:t>
+            </a:r>
+            <a:r>
+              <a:rPr lang="hu-HU" sz="2800" dirty="0" err="1">
+                <a:latin typeface="Helvetica" panose="020B0604020202020204" pitchFamily="34" charset="0"/>
+                <a:cs typeface="Helvetica" panose="020B0604020202020204" pitchFamily="34" charset="0"/>
+              </a:rPr>
+              <a:t>remember</a:t>
+            </a:r>
+            <a:r>
+              <a:rPr lang="hu-HU" sz="2800" dirty="0">
+                <a:latin typeface="Helvetica" panose="020B0604020202020204" pitchFamily="34" charset="0"/>
+                <a:cs typeface="Helvetica" panose="020B0604020202020204" pitchFamily="34" charset="0"/>
+              </a:rPr>
+              <a:t> CSS!)</a:t>
+            </a:r>
+          </a:p>
+          <a:p>
+            <a:endParaRPr lang="hu-HU" sz="2800" dirty="0">
+              <a:latin typeface="Helvetica" panose="020B0604020202020204" pitchFamily="34" charset="0"/>
+              <a:cs typeface="Helvetica" panose="020B0604020202020204" pitchFamily="34" charset="0"/>
+            </a:endParaRPr>
+          </a:p>
+          <a:p>
+            <a:pPr marL="0" indent="0">
+              <a:buNone/>
+            </a:pPr>
+            <a:endParaRPr lang="en-GB" sz="2800" dirty="0">
               <a:latin typeface="Helvetica" panose="020B0604020202020204" pitchFamily="34" charset="0"/>
               <a:cs typeface="Helvetica" panose="020B0604020202020204" pitchFamily="34" charset="0"/>
             </a:endParaRPr>
@@ -4590,7 +4864,7 @@
           <a:p>
             <a:r>
               <a:rPr lang="en-GB"/>
-              <a:t>Kiss Boldizsár</a:t>
+              <a:t>Boldizsár Kiss</a:t>
             </a:r>
           </a:p>
         </p:txBody>
@@ -4624,10 +4898,130 @@
           </a:p>
         </p:txBody>
       </p:sp>
+      <p:pic>
+        <p:nvPicPr>
+          <p:cNvPr id="7" name="Kép 6">
+            <a:extLst>
+              <a:ext uri="{FF2B5EF4-FFF2-40B4-BE49-F238E27FC236}">
+                <a16:creationId xmlns:a16="http://schemas.microsoft.com/office/drawing/2014/main" id="{A3566EBC-EE7E-423D-9D26-C9A3CD6D0EE9}"/>
+              </a:ext>
+            </a:extLst>
+          </p:cNvPr>
+          <p:cNvPicPr>
+            <a:picLocks noChangeAspect="1"/>
+          </p:cNvPicPr>
+          <p:nvPr/>
+        </p:nvPicPr>
+        <p:blipFill>
+          <a:blip r:embed="rId2"/>
+          <a:stretch>
+            <a:fillRect/>
+          </a:stretch>
+        </p:blipFill>
+        <p:spPr>
+          <a:xfrm>
+            <a:off x="5890260" y="1845734"/>
+            <a:ext cx="2476500" cy="1619250"/>
+          </a:xfrm>
+          <a:prstGeom prst="rect">
+            <a:avLst/>
+          </a:prstGeom>
+        </p:spPr>
+      </p:pic>
+      <p:pic>
+        <p:nvPicPr>
+          <p:cNvPr id="8" name="Kép 7">
+            <a:extLst>
+              <a:ext uri="{FF2B5EF4-FFF2-40B4-BE49-F238E27FC236}">
+                <a16:creationId xmlns:a16="http://schemas.microsoft.com/office/drawing/2014/main" id="{7A00F31B-E601-498C-A4E5-BE756D25B287}"/>
+              </a:ext>
+            </a:extLst>
+          </p:cNvPr>
+          <p:cNvPicPr>
+            <a:picLocks noChangeAspect="1"/>
+          </p:cNvPicPr>
+          <p:nvPr/>
+        </p:nvPicPr>
+        <p:blipFill>
+          <a:blip r:embed="rId3"/>
+          <a:stretch>
+            <a:fillRect/>
+          </a:stretch>
+        </p:blipFill>
+        <p:spPr>
+          <a:xfrm>
+            <a:off x="5888399" y="3750365"/>
+            <a:ext cx="2478361" cy="2213767"/>
+          </a:xfrm>
+          <a:prstGeom prst="rect">
+            <a:avLst/>
+          </a:prstGeom>
+        </p:spPr>
+      </p:pic>
+      <p:pic>
+        <p:nvPicPr>
+          <p:cNvPr id="9" name="Kép 8">
+            <a:extLst>
+              <a:ext uri="{FF2B5EF4-FFF2-40B4-BE49-F238E27FC236}">
+                <a16:creationId xmlns:a16="http://schemas.microsoft.com/office/drawing/2014/main" id="{EC48FE95-51C2-432D-9E16-9FAB527442FF}"/>
+              </a:ext>
+            </a:extLst>
+          </p:cNvPr>
+          <p:cNvPicPr>
+            <a:picLocks noChangeAspect="1"/>
+          </p:cNvPicPr>
+          <p:nvPr/>
+        </p:nvPicPr>
+        <p:blipFill>
+          <a:blip r:embed="rId4"/>
+          <a:stretch>
+            <a:fillRect/>
+          </a:stretch>
+        </p:blipFill>
+        <p:spPr>
+          <a:xfrm>
+            <a:off x="822958" y="3750365"/>
+            <a:ext cx="2239392" cy="2232001"/>
+          </a:xfrm>
+          <a:prstGeom prst="rect">
+            <a:avLst/>
+          </a:prstGeom>
+        </p:spPr>
+      </p:pic>
+      <p:pic>
+        <p:nvPicPr>
+          <p:cNvPr id="10" name="Kép 9">
+            <a:extLst>
+              <a:ext uri="{FF2B5EF4-FFF2-40B4-BE49-F238E27FC236}">
+                <a16:creationId xmlns:a16="http://schemas.microsoft.com/office/drawing/2014/main" id="{89D166A1-D1C0-4F93-8E89-7E8B76A1BE1E}"/>
+              </a:ext>
+            </a:extLst>
+          </p:cNvPr>
+          <p:cNvPicPr>
+            <a:picLocks noChangeAspect="1"/>
+          </p:cNvPicPr>
+          <p:nvPr/>
+        </p:nvPicPr>
+        <p:blipFill>
+          <a:blip r:embed="rId5"/>
+          <a:stretch>
+            <a:fillRect/>
+          </a:stretch>
+        </p:blipFill>
+        <p:spPr>
+          <a:xfrm>
+            <a:off x="3362854" y="3753400"/>
+            <a:ext cx="2225041" cy="2210732"/>
+          </a:xfrm>
+          <a:prstGeom prst="rect">
+            <a:avLst/>
+          </a:prstGeom>
+        </p:spPr>
+      </p:pic>
     </p:spTree>
     <p:extLst>
       <p:ext uri="{BB962C8B-B14F-4D97-AF65-F5344CB8AC3E}">
-        <p14:creationId xmlns:p14="http://schemas.microsoft.com/office/powerpoint/2010/main" val="2420053207"/>
+        <p14:creationId xmlns:p14="http://schemas.microsoft.com/office/powerpoint/2010/main" val="1658624482"/>
       </p:ext>
     </p:extLst>
   </p:cSld>
@@ -4676,11 +5070,11 @@
           <a:lstStyle/>
           <a:p>
             <a:r>
-              <a:rPr lang="hu-HU" dirty="0" err="1">
+              <a:rPr lang="hu-HU" dirty="0">
                 <a:latin typeface="Helvetica" panose="020B0604020202020204" pitchFamily="34" charset="0"/>
                 <a:cs typeface="Helvetica" panose="020B0604020202020204" pitchFamily="34" charset="0"/>
               </a:rPr>
-              <a:t>Drawing</a:t>
+              <a:t>Recursion</a:t>
             </a:r>
             <a:endParaRPr lang="en-GB" dirty="0">
               <a:latin typeface="Helvetica" panose="020B0604020202020204" pitchFamily="34" charset="0"/>
@@ -4707,10 +5101,158 @@
         </p:nvSpPr>
         <p:spPr/>
         <p:txBody>
-          <a:bodyPr/>
-          <a:lstStyle/>
-          <a:p>
-            <a:endParaRPr lang="en-GB" dirty="0">
+          <a:bodyPr>
+            <a:normAutofit/>
+          </a:bodyPr>
+          <a:lstStyle/>
+          <a:p>
+            <a:r>
+              <a:rPr lang="hu-HU" sz="3200" dirty="0" err="1">
+                <a:latin typeface="Helvetica" panose="020B0604020202020204" pitchFamily="34" charset="0"/>
+                <a:cs typeface="Helvetica" panose="020B0604020202020204" pitchFamily="34" charset="0"/>
+              </a:rPr>
+              <a:t>Avoiding</a:t>
+            </a:r>
+            <a:r>
+              <a:rPr lang="hu-HU" sz="3200" dirty="0">
+                <a:latin typeface="Helvetica" panose="020B0604020202020204" pitchFamily="34" charset="0"/>
+                <a:cs typeface="Helvetica" panose="020B0604020202020204" pitchFamily="34" charset="0"/>
+              </a:rPr>
+              <a:t> </a:t>
+            </a:r>
+            <a:r>
+              <a:rPr lang="hu-HU" sz="3200" dirty="0" err="1">
+                <a:latin typeface="Helvetica" panose="020B0604020202020204" pitchFamily="34" charset="0"/>
+                <a:cs typeface="Helvetica" panose="020B0604020202020204" pitchFamily="34" charset="0"/>
+              </a:rPr>
+              <a:t>loops</a:t>
+            </a:r>
+            <a:r>
+              <a:rPr lang="hu-HU" sz="3200" dirty="0">
+                <a:latin typeface="Helvetica" panose="020B0604020202020204" pitchFamily="34" charset="0"/>
+                <a:cs typeface="Helvetica" panose="020B0604020202020204" pitchFamily="34" charset="0"/>
+              </a:rPr>
+              <a:t> </a:t>
+            </a:r>
+            <a:r>
+              <a:rPr lang="hu-HU" sz="3200" dirty="0" err="1">
+                <a:latin typeface="Helvetica" panose="020B0604020202020204" pitchFamily="34" charset="0"/>
+                <a:cs typeface="Helvetica" panose="020B0604020202020204" pitchFamily="34" charset="0"/>
+              </a:rPr>
+              <a:t>without</a:t>
+            </a:r>
+            <a:r>
+              <a:rPr lang="hu-HU" sz="3200" dirty="0">
+                <a:latin typeface="Helvetica" panose="020B0604020202020204" pitchFamily="34" charset="0"/>
+                <a:cs typeface="Helvetica" panose="020B0604020202020204" pitchFamily="34" charset="0"/>
+              </a:rPr>
+              <a:t> </a:t>
+            </a:r>
+            <a:r>
+              <a:rPr lang="hu-HU" sz="3200" dirty="0" err="1">
+                <a:latin typeface="Helvetica" panose="020B0604020202020204" pitchFamily="34" charset="0"/>
+                <a:cs typeface="Helvetica" panose="020B0604020202020204" pitchFamily="34" charset="0"/>
+              </a:rPr>
+              <a:t>making</a:t>
+            </a:r>
+            <a:r>
+              <a:rPr lang="hu-HU" sz="3200" dirty="0">
+                <a:latin typeface="Helvetica" panose="020B0604020202020204" pitchFamily="34" charset="0"/>
+                <a:cs typeface="Helvetica" panose="020B0604020202020204" pitchFamily="34" charset="0"/>
+              </a:rPr>
+              <a:t> </a:t>
+            </a:r>
+            <a:r>
+              <a:rPr lang="hu-HU" sz="3200" dirty="0" err="1">
+                <a:latin typeface="Helvetica" panose="020B0604020202020204" pitchFamily="34" charset="0"/>
+                <a:cs typeface="Helvetica" panose="020B0604020202020204" pitchFamily="34" charset="0"/>
+              </a:rPr>
+              <a:t>the</a:t>
+            </a:r>
+            <a:r>
+              <a:rPr lang="hu-HU" sz="3200" dirty="0">
+                <a:latin typeface="Helvetica" panose="020B0604020202020204" pitchFamily="34" charset="0"/>
+                <a:cs typeface="Helvetica" panose="020B0604020202020204" pitchFamily="34" charset="0"/>
+              </a:rPr>
+              <a:t> </a:t>
+            </a:r>
+            <a:r>
+              <a:rPr lang="hu-HU" sz="3200" dirty="0" err="1">
+                <a:latin typeface="Helvetica" panose="020B0604020202020204" pitchFamily="34" charset="0"/>
+                <a:cs typeface="Helvetica" panose="020B0604020202020204" pitchFamily="34" charset="0"/>
+              </a:rPr>
+              <a:t>function</a:t>
+            </a:r>
+            <a:r>
+              <a:rPr lang="hu-HU" sz="3200" dirty="0">
+                <a:latin typeface="Helvetica" panose="020B0604020202020204" pitchFamily="34" charset="0"/>
+                <a:cs typeface="Helvetica" panose="020B0604020202020204" pitchFamily="34" charset="0"/>
+              </a:rPr>
+              <a:t> </a:t>
+            </a:r>
+            <a:r>
+              <a:rPr lang="hu-HU" sz="3200" dirty="0" err="1">
+                <a:latin typeface="Helvetica" panose="020B0604020202020204" pitchFamily="34" charset="0"/>
+                <a:cs typeface="Helvetica" panose="020B0604020202020204" pitchFamily="34" charset="0"/>
+              </a:rPr>
+              <a:t>call</a:t>
+            </a:r>
+            <a:r>
+              <a:rPr lang="hu-HU" sz="3200" dirty="0">
+                <a:latin typeface="Helvetica" panose="020B0604020202020204" pitchFamily="34" charset="0"/>
+                <a:cs typeface="Helvetica" panose="020B0604020202020204" pitchFamily="34" charset="0"/>
+              </a:rPr>
+              <a:t> </a:t>
+            </a:r>
+            <a:r>
+              <a:rPr lang="hu-HU" sz="3200" dirty="0" err="1">
+                <a:latin typeface="Helvetica" panose="020B0604020202020204" pitchFamily="34" charset="0"/>
+                <a:cs typeface="Helvetica" panose="020B0604020202020204" pitchFamily="34" charset="0"/>
+              </a:rPr>
+              <a:t>itself</a:t>
+            </a:r>
+            <a:endParaRPr lang="hu-HU" sz="3200" dirty="0">
+              <a:latin typeface="Helvetica" panose="020B0604020202020204" pitchFamily="34" charset="0"/>
+              <a:cs typeface="Helvetica" panose="020B0604020202020204" pitchFamily="34" charset="0"/>
+            </a:endParaRPr>
+          </a:p>
+          <a:p>
+            <a:r>
+              <a:rPr lang="hu-HU" sz="3200" dirty="0" err="1">
+                <a:latin typeface="Helvetica" panose="020B0604020202020204" pitchFamily="34" charset="0"/>
+                <a:cs typeface="Helvetica" panose="020B0604020202020204" pitchFamily="34" charset="0"/>
+              </a:rPr>
+              <a:t>Conditions</a:t>
+            </a:r>
+            <a:r>
+              <a:rPr lang="hu-HU" sz="3200" dirty="0">
+                <a:latin typeface="Helvetica" panose="020B0604020202020204" pitchFamily="34" charset="0"/>
+                <a:cs typeface="Helvetica" panose="020B0604020202020204" pitchFamily="34" charset="0"/>
+              </a:rPr>
+              <a:t> </a:t>
+            </a:r>
+            <a:r>
+              <a:rPr lang="hu-HU" sz="3200" dirty="0" err="1">
+                <a:latin typeface="Helvetica" panose="020B0604020202020204" pitchFamily="34" charset="0"/>
+                <a:cs typeface="Helvetica" panose="020B0604020202020204" pitchFamily="34" charset="0"/>
+              </a:rPr>
+              <a:t>are</a:t>
+            </a:r>
+            <a:r>
+              <a:rPr lang="hu-HU" sz="3200" dirty="0">
+                <a:latin typeface="Helvetica" panose="020B0604020202020204" pitchFamily="34" charset="0"/>
+                <a:cs typeface="Helvetica" panose="020B0604020202020204" pitchFamily="34" charset="0"/>
+              </a:rPr>
+              <a:t> </a:t>
+            </a:r>
+            <a:r>
+              <a:rPr lang="hu-HU" sz="3200" dirty="0" err="1">
+                <a:latin typeface="Helvetica" panose="020B0604020202020204" pitchFamily="34" charset="0"/>
+                <a:cs typeface="Helvetica" panose="020B0604020202020204" pitchFamily="34" charset="0"/>
+              </a:rPr>
+              <a:t>necessary</a:t>
+            </a:r>
+            <a:endParaRPr lang="en-GB" sz="3200" dirty="0">
               <a:latin typeface="Helvetica" panose="020B0604020202020204" pitchFamily="34" charset="0"/>
               <a:cs typeface="Helvetica" panose="020B0604020202020204" pitchFamily="34" charset="0"/>
             </a:endParaRPr>
@@ -4769,7 +5311,7 @@
           <a:p>
             <a:r>
               <a:rPr lang="en-GB"/>
-              <a:t>Kiss Boldizsár</a:t>
+              <a:t>Boldizsár Kiss</a:t>
             </a:r>
           </a:p>
         </p:txBody>
@@ -4803,10 +5345,40 @@
           </a:p>
         </p:txBody>
       </p:sp>
+      <p:pic>
+        <p:nvPicPr>
+          <p:cNvPr id="7" name="Kép 6">
+            <a:extLst>
+              <a:ext uri="{FF2B5EF4-FFF2-40B4-BE49-F238E27FC236}">
+                <a16:creationId xmlns:a16="http://schemas.microsoft.com/office/drawing/2014/main" id="{C9CE49E7-20C2-4E8D-A208-327FB64E6960}"/>
+              </a:ext>
+            </a:extLst>
+          </p:cNvPr>
+          <p:cNvPicPr>
+            <a:picLocks noChangeAspect="1"/>
+          </p:cNvPicPr>
+          <p:nvPr/>
+        </p:nvPicPr>
+        <p:blipFill>
+          <a:blip r:embed="rId2"/>
+          <a:stretch>
+            <a:fillRect/>
+          </a:stretch>
+        </p:blipFill>
+        <p:spPr>
+          <a:xfrm>
+            <a:off x="1045468" y="3571461"/>
+            <a:ext cx="7098781" cy="2498771"/>
+          </a:xfrm>
+          <a:prstGeom prst="rect">
+            <a:avLst/>
+          </a:prstGeom>
+        </p:spPr>
+      </p:pic>
     </p:spTree>
     <p:extLst>
       <p:ext uri="{BB962C8B-B14F-4D97-AF65-F5344CB8AC3E}">
-        <p14:creationId xmlns:p14="http://schemas.microsoft.com/office/powerpoint/2010/main" val="1658624482"/>
+        <p14:creationId xmlns:p14="http://schemas.microsoft.com/office/powerpoint/2010/main" val="1081073905"/>
       </p:ext>
     </p:extLst>
   </p:cSld>
@@ -4851,44 +5423,18 @@
         </p:nvSpPr>
         <p:spPr/>
         <p:txBody>
-          <a:bodyPr/>
-          <a:lstStyle/>
-          <a:p>
-            <a:r>
-              <a:rPr lang="hu-HU" dirty="0" err="1">
+          <a:bodyPr>
+            <a:normAutofit/>
+          </a:bodyPr>
+          <a:lstStyle/>
+          <a:p>
+            <a:r>
+              <a:rPr lang="hu-HU" dirty="0">
                 <a:latin typeface="Helvetica" panose="020B0604020202020204" pitchFamily="34" charset="0"/>
                 <a:cs typeface="Helvetica" panose="020B0604020202020204" pitchFamily="34" charset="0"/>
               </a:rPr>
-              <a:t>Recursion</a:t>
-            </a:r>
-            <a:endParaRPr lang="en-GB" dirty="0">
-              <a:latin typeface="Helvetica" panose="020B0604020202020204" pitchFamily="34" charset="0"/>
-              <a:cs typeface="Helvetica" panose="020B0604020202020204" pitchFamily="34" charset="0"/>
-            </a:endParaRPr>
-          </a:p>
-        </p:txBody>
-      </p:sp>
-      <p:sp>
-        <p:nvSpPr>
-          <p:cNvPr id="3" name="Tartalom helye 2">
-            <a:extLst>
-              <a:ext uri="{FF2B5EF4-FFF2-40B4-BE49-F238E27FC236}">
-                <a16:creationId xmlns:a16="http://schemas.microsoft.com/office/drawing/2014/main" id="{C583C57C-89CC-4DC3-A3D9-A01345F565FD}"/>
-              </a:ext>
-            </a:extLst>
-          </p:cNvPr>
-          <p:cNvSpPr>
-            <a:spLocks noGrp="1"/>
-          </p:cNvSpPr>
-          <p:nvPr>
-            <p:ph idx="1"/>
-          </p:nvPr>
-        </p:nvSpPr>
-        <p:spPr/>
-        <p:txBody>
-          <a:bodyPr/>
-          <a:lstStyle/>
-          <a:p>
+              <a:t>Fractals</a:t>
+            </a:r>
             <a:endParaRPr lang="en-GB" dirty="0">
               <a:latin typeface="Helvetica" panose="020B0604020202020204" pitchFamily="34" charset="0"/>
               <a:cs typeface="Helvetica" panose="020B0604020202020204" pitchFamily="34" charset="0"/>
@@ -4948,7 +5494,7 @@
           <a:p>
             <a:r>
               <a:rPr lang="en-GB"/>
-              <a:t>Kiss Boldizsár</a:t>
+              <a:t>Boldizsár Kiss</a:t>
             </a:r>
           </a:p>
         </p:txBody>
@@ -4982,10 +5528,218 @@
           </a:p>
         </p:txBody>
       </p:sp>
+      <p:pic>
+        <p:nvPicPr>
+          <p:cNvPr id="24" name="Kép 23">
+            <a:extLst>
+              <a:ext uri="{FF2B5EF4-FFF2-40B4-BE49-F238E27FC236}">
+                <a16:creationId xmlns:a16="http://schemas.microsoft.com/office/drawing/2014/main" id="{FA8A7943-E6AA-4948-BE7C-4E0E7C3AB1B9}"/>
+              </a:ext>
+            </a:extLst>
+          </p:cNvPr>
+          <p:cNvPicPr>
+            <a:picLocks noChangeAspect="1"/>
+          </p:cNvPicPr>
+          <p:nvPr/>
+        </p:nvPicPr>
+        <p:blipFill>
+          <a:blip r:embed="rId2">
+            <a:extLst>
+              <a:ext uri="{28A0092B-C50C-407E-A947-70E740481C1C}">
+                <a14:useLocalDpi xmlns:a14="http://schemas.microsoft.com/office/drawing/2010/main" val="0"/>
+              </a:ext>
+            </a:extLst>
+          </a:blip>
+          <a:stretch>
+            <a:fillRect/>
+          </a:stretch>
+        </p:blipFill>
+        <p:spPr>
+          <a:xfrm>
+            <a:off x="3367143" y="1866799"/>
+            <a:ext cx="4999618" cy="4335217"/>
+          </a:xfrm>
+          <a:prstGeom prst="rect">
+            <a:avLst/>
+          </a:prstGeom>
+        </p:spPr>
+      </p:pic>
+      <p:sp>
+        <p:nvSpPr>
+          <p:cNvPr id="12" name="Szövegdoboz 11">
+            <a:extLst>
+              <a:ext uri="{FF2B5EF4-FFF2-40B4-BE49-F238E27FC236}">
+                <a16:creationId xmlns:a16="http://schemas.microsoft.com/office/drawing/2014/main" id="{0E441B5A-9A4F-4653-8C02-AEEA1A2A3134}"/>
+              </a:ext>
+            </a:extLst>
+          </p:cNvPr>
+          <p:cNvSpPr txBox="1"/>
+          <p:nvPr/>
+        </p:nvSpPr>
+        <p:spPr>
+          <a:xfrm>
+            <a:off x="450575" y="2451652"/>
+            <a:ext cx="2916568" cy="3108543"/>
+          </a:xfrm>
+          <a:prstGeom prst="rect">
+            <a:avLst/>
+          </a:prstGeom>
+          <a:noFill/>
+        </p:spPr>
+        <p:txBody>
+          <a:bodyPr wrap="square" rtlCol="0">
+            <a:spAutoFit/>
+          </a:bodyPr>
+          <a:lstStyle/>
+          <a:p>
+            <a:r>
+              <a:rPr lang="hu-HU" sz="2800" dirty="0" err="1">
+                <a:latin typeface="Helvetica" panose="020B0604020202020204" pitchFamily="34" charset="0"/>
+                <a:cs typeface="Helvetica" panose="020B0604020202020204" pitchFamily="34" charset="0"/>
+              </a:rPr>
+              <a:t>Combination</a:t>
+            </a:r>
+            <a:r>
+              <a:rPr lang="hu-HU" sz="2800" dirty="0">
+                <a:latin typeface="Helvetica" panose="020B0604020202020204" pitchFamily="34" charset="0"/>
+                <a:cs typeface="Helvetica" panose="020B0604020202020204" pitchFamily="34" charset="0"/>
+              </a:rPr>
+              <a:t> of </a:t>
+            </a:r>
+            <a:r>
+              <a:rPr lang="hu-HU" sz="2800" dirty="0" err="1">
+                <a:latin typeface="Helvetica" panose="020B0604020202020204" pitchFamily="34" charset="0"/>
+                <a:cs typeface="Helvetica" panose="020B0604020202020204" pitchFamily="34" charset="0"/>
+              </a:rPr>
+              <a:t>graphic</a:t>
+            </a:r>
+            <a:r>
+              <a:rPr lang="hu-HU" sz="2800" dirty="0">
+                <a:latin typeface="Helvetica" panose="020B0604020202020204" pitchFamily="34" charset="0"/>
+                <a:cs typeface="Helvetica" panose="020B0604020202020204" pitchFamily="34" charset="0"/>
+              </a:rPr>
+              <a:t> display and </a:t>
+            </a:r>
+            <a:r>
+              <a:rPr lang="hu-HU" sz="2800" dirty="0" err="1">
+                <a:latin typeface="Helvetica" panose="020B0604020202020204" pitchFamily="34" charset="0"/>
+                <a:cs typeface="Helvetica" panose="020B0604020202020204" pitchFamily="34" charset="0"/>
+              </a:rPr>
+              <a:t>recursion</a:t>
+            </a:r>
+            <a:endParaRPr lang="hu-HU" sz="2800" dirty="0">
+              <a:latin typeface="Helvetica" panose="020B0604020202020204" pitchFamily="34" charset="0"/>
+              <a:cs typeface="Helvetica" panose="020B0604020202020204" pitchFamily="34" charset="0"/>
+            </a:endParaRPr>
+          </a:p>
+          <a:p>
+            <a:endParaRPr lang="hu-HU" sz="2800" dirty="0">
+              <a:latin typeface="Helvetica" panose="020B0604020202020204" pitchFamily="34" charset="0"/>
+              <a:cs typeface="Helvetica" panose="020B0604020202020204" pitchFamily="34" charset="0"/>
+            </a:endParaRPr>
+          </a:p>
+          <a:p>
+            <a:r>
+              <a:rPr lang="hu-HU" sz="2800" dirty="0" err="1">
+                <a:latin typeface="Helvetica" panose="020B0604020202020204" pitchFamily="34" charset="0"/>
+                <a:cs typeface="Helvetica" panose="020B0604020202020204" pitchFamily="34" charset="0"/>
+              </a:rPr>
+              <a:t>Can</a:t>
+            </a:r>
+            <a:r>
+              <a:rPr lang="hu-HU" sz="2800" dirty="0">
+                <a:latin typeface="Helvetica" panose="020B0604020202020204" pitchFamily="34" charset="0"/>
+                <a:cs typeface="Helvetica" panose="020B0604020202020204" pitchFamily="34" charset="0"/>
+              </a:rPr>
+              <a:t> be </a:t>
+            </a:r>
+            <a:r>
+              <a:rPr lang="hu-HU" sz="2800" dirty="0" err="1">
+                <a:latin typeface="Helvetica" panose="020B0604020202020204" pitchFamily="34" charset="0"/>
+                <a:cs typeface="Helvetica" panose="020B0604020202020204" pitchFamily="34" charset="0"/>
+              </a:rPr>
+              <a:t>funny</a:t>
+            </a:r>
+            <a:r>
+              <a:rPr lang="hu-HU" sz="2800" dirty="0">
+                <a:latin typeface="Helvetica" panose="020B0604020202020204" pitchFamily="34" charset="0"/>
+                <a:cs typeface="Helvetica" panose="020B0604020202020204" pitchFamily="34" charset="0"/>
+              </a:rPr>
+              <a:t> and </a:t>
+            </a:r>
+            <a:r>
+              <a:rPr lang="hu-HU" sz="2800" dirty="0" err="1">
+                <a:latin typeface="Helvetica" panose="020B0604020202020204" pitchFamily="34" charset="0"/>
+                <a:cs typeface="Helvetica" panose="020B0604020202020204" pitchFamily="34" charset="0"/>
+              </a:rPr>
+              <a:t>annoying</a:t>
+            </a:r>
+            <a:endParaRPr lang="hu-HU" sz="2800" dirty="0">
+              <a:latin typeface="Helvetica" panose="020B0604020202020204" pitchFamily="34" charset="0"/>
+              <a:cs typeface="Helvetica" panose="020B0604020202020204" pitchFamily="34" charset="0"/>
+            </a:endParaRPr>
+          </a:p>
+          <a:p>
+            <a:r>
+              <a:rPr lang="hu-HU" sz="2800" dirty="0" err="1">
+                <a:latin typeface="Helvetica" panose="020B0604020202020204" pitchFamily="34" charset="0"/>
+                <a:cs typeface="Helvetica" panose="020B0604020202020204" pitchFamily="34" charset="0"/>
+              </a:rPr>
+              <a:t>at</a:t>
+            </a:r>
+            <a:r>
+              <a:rPr lang="hu-HU" sz="2800" dirty="0">
+                <a:latin typeface="Helvetica" panose="020B0604020202020204" pitchFamily="34" charset="0"/>
+                <a:cs typeface="Helvetica" panose="020B0604020202020204" pitchFamily="34" charset="0"/>
+              </a:rPr>
+              <a:t> </a:t>
+            </a:r>
+            <a:r>
+              <a:rPr lang="hu-HU" sz="2800" dirty="0" err="1">
+                <a:latin typeface="Helvetica" panose="020B0604020202020204" pitchFamily="34" charset="0"/>
+                <a:cs typeface="Helvetica" panose="020B0604020202020204" pitchFamily="34" charset="0"/>
+              </a:rPr>
+              <a:t>the</a:t>
+            </a:r>
+            <a:r>
+              <a:rPr lang="hu-HU" sz="2800" dirty="0">
+                <a:latin typeface="Helvetica" panose="020B0604020202020204" pitchFamily="34" charset="0"/>
+                <a:cs typeface="Helvetica" panose="020B0604020202020204" pitchFamily="34" charset="0"/>
+              </a:rPr>
+              <a:t> </a:t>
+            </a:r>
+            <a:r>
+              <a:rPr lang="hu-HU" sz="2800" dirty="0" err="1">
+                <a:latin typeface="Helvetica" panose="020B0604020202020204" pitchFamily="34" charset="0"/>
+                <a:cs typeface="Helvetica" panose="020B0604020202020204" pitchFamily="34" charset="0"/>
+              </a:rPr>
+              <a:t>same</a:t>
+            </a:r>
+            <a:r>
+              <a:rPr lang="hu-HU" sz="2800" dirty="0">
+                <a:latin typeface="Helvetica" panose="020B0604020202020204" pitchFamily="34" charset="0"/>
+                <a:cs typeface="Helvetica" panose="020B0604020202020204" pitchFamily="34" charset="0"/>
+              </a:rPr>
+              <a:t> </a:t>
+            </a:r>
+            <a:r>
+              <a:rPr lang="hu-HU" sz="2800" dirty="0" err="1">
+                <a:latin typeface="Helvetica" panose="020B0604020202020204" pitchFamily="34" charset="0"/>
+                <a:cs typeface="Helvetica" panose="020B0604020202020204" pitchFamily="34" charset="0"/>
+              </a:rPr>
+              <a:t>time</a:t>
+            </a:r>
+            <a:endParaRPr lang="hu-HU" sz="2800" dirty="0">
+              <a:latin typeface="Helvetica" panose="020B0604020202020204" pitchFamily="34" charset="0"/>
+              <a:cs typeface="Helvetica" panose="020B0604020202020204" pitchFamily="34" charset="0"/>
+            </a:endParaRPr>
+          </a:p>
+        </p:txBody>
+      </p:sp>
     </p:spTree>
     <p:extLst>
       <p:ext uri="{BB962C8B-B14F-4D97-AF65-F5344CB8AC3E}">
-        <p14:creationId xmlns:p14="http://schemas.microsoft.com/office/powerpoint/2010/main" val="1081073905"/>
+        <p14:creationId xmlns:p14="http://schemas.microsoft.com/office/powerpoint/2010/main" val="35724621"/>
       </p:ext>
     </p:extLst>
   </p:cSld>
@@ -5031,136 +5785,17 @@
         <p:spPr/>
         <p:txBody>
           <a:bodyPr>
-            <a:normAutofit fontScale="90000"/>
+            <a:normAutofit/>
           </a:bodyPr>
           <a:lstStyle/>
           <a:p>
-            <a:r>
-              <a:rPr lang="hu-HU" dirty="0" err="1">
-                <a:latin typeface="Helvetica" panose="020B0604020202020204" pitchFamily="34" charset="0"/>
-                <a:cs typeface="Helvetica" panose="020B0604020202020204" pitchFamily="34" charset="0"/>
-              </a:rPr>
-              <a:t>Drawing</a:t>
-            </a:r>
             <a:r>
               <a:rPr lang="hu-HU" dirty="0">
                 <a:latin typeface="Helvetica" panose="020B0604020202020204" pitchFamily="34" charset="0"/>
                 <a:cs typeface="Helvetica" panose="020B0604020202020204" pitchFamily="34" charset="0"/>
               </a:rPr>
-              <a:t> </a:t>
-            </a:r>
-            <a:r>
-              <a:rPr lang="hu-HU" dirty="0" err="1">
-                <a:latin typeface="Helvetica" panose="020B0604020202020204" pitchFamily="34" charset="0"/>
-                <a:cs typeface="Helvetica" panose="020B0604020202020204" pitchFamily="34" charset="0"/>
-              </a:rPr>
-              <a:t>skills</a:t>
-            </a:r>
-            <a:r>
-              <a:rPr lang="hu-HU" dirty="0">
-                <a:latin typeface="Helvetica" panose="020B0604020202020204" pitchFamily="34" charset="0"/>
-                <a:cs typeface="Helvetica" panose="020B0604020202020204" pitchFamily="34" charset="0"/>
-              </a:rPr>
-              <a:t> + </a:t>
-            </a:r>
-            <a:r>
-              <a:rPr lang="hu-HU" dirty="0" err="1">
-                <a:latin typeface="Helvetica" panose="020B0604020202020204" pitchFamily="34" charset="0"/>
-                <a:cs typeface="Helvetica" panose="020B0604020202020204" pitchFamily="34" charset="0"/>
-              </a:rPr>
-              <a:t>recursion</a:t>
-            </a:r>
-            <a:r>
-              <a:rPr lang="hu-HU" dirty="0">
-                <a:latin typeface="Helvetica" panose="020B0604020202020204" pitchFamily="34" charset="0"/>
-                <a:cs typeface="Helvetica" panose="020B0604020202020204" pitchFamily="34" charset="0"/>
-              </a:rPr>
-              <a:t>: </a:t>
-            </a:r>
-            <a:r>
-              <a:rPr lang="hu-HU" dirty="0" err="1">
-                <a:latin typeface="Helvetica" panose="020B0604020202020204" pitchFamily="34" charset="0"/>
-                <a:cs typeface="Helvetica" panose="020B0604020202020204" pitchFamily="34" charset="0"/>
-              </a:rPr>
-              <a:t>make</a:t>
-            </a:r>
-            <a:r>
-              <a:rPr lang="hu-HU" dirty="0">
-                <a:latin typeface="Helvetica" panose="020B0604020202020204" pitchFamily="34" charset="0"/>
-                <a:cs typeface="Helvetica" panose="020B0604020202020204" pitchFamily="34" charset="0"/>
-              </a:rPr>
-              <a:t> </a:t>
-            </a:r>
-            <a:r>
-              <a:rPr lang="hu-HU" dirty="0" err="1">
-                <a:latin typeface="Helvetica" panose="020B0604020202020204" pitchFamily="34" charset="0"/>
-                <a:cs typeface="Helvetica" panose="020B0604020202020204" pitchFamily="34" charset="0"/>
-              </a:rPr>
-              <a:t>fractals</a:t>
-            </a:r>
-            <a:r>
-              <a:rPr lang="hu-HU" dirty="0">
-                <a:latin typeface="Helvetica" panose="020B0604020202020204" pitchFamily="34" charset="0"/>
-                <a:cs typeface="Helvetica" panose="020B0604020202020204" pitchFamily="34" charset="0"/>
-              </a:rPr>
-              <a:t> like </a:t>
-            </a:r>
-            <a:r>
-              <a:rPr lang="hu-HU" dirty="0" err="1">
-                <a:latin typeface="Helvetica" panose="020B0604020202020204" pitchFamily="34" charset="0"/>
-                <a:cs typeface="Helvetica" panose="020B0604020202020204" pitchFamily="34" charset="0"/>
-              </a:rPr>
-              <a:t>there</a:t>
-            </a:r>
-            <a:r>
-              <a:rPr lang="hu-HU" dirty="0">
-                <a:latin typeface="Helvetica" panose="020B0604020202020204" pitchFamily="34" charset="0"/>
-                <a:cs typeface="Helvetica" panose="020B0604020202020204" pitchFamily="34" charset="0"/>
-              </a:rPr>
-              <a:t> is no </a:t>
-            </a:r>
-            <a:r>
-              <a:rPr lang="hu-HU" dirty="0" err="1">
-                <a:latin typeface="Helvetica" panose="020B0604020202020204" pitchFamily="34" charset="0"/>
-                <a:cs typeface="Helvetica" panose="020B0604020202020204" pitchFamily="34" charset="0"/>
-              </a:rPr>
-              <a:t>tomorrow</a:t>
-            </a:r>
-            <a:r>
-              <a:rPr lang="hu-HU" dirty="0">
-                <a:latin typeface="Helvetica" panose="020B0604020202020204" pitchFamily="34" charset="0"/>
-                <a:cs typeface="Helvetica" panose="020B0604020202020204" pitchFamily="34" charset="0"/>
-              </a:rPr>
-              <a:t>!</a:t>
-            </a:r>
-            <a:endParaRPr lang="en-GB" dirty="0">
-              <a:latin typeface="Helvetica" panose="020B0604020202020204" pitchFamily="34" charset="0"/>
-              <a:cs typeface="Helvetica" panose="020B0604020202020204" pitchFamily="34" charset="0"/>
-            </a:endParaRPr>
-          </a:p>
-        </p:txBody>
-      </p:sp>
-      <p:sp>
-        <p:nvSpPr>
-          <p:cNvPr id="3" name="Tartalom helye 2">
-            <a:extLst>
-              <a:ext uri="{FF2B5EF4-FFF2-40B4-BE49-F238E27FC236}">
-                <a16:creationId xmlns:a16="http://schemas.microsoft.com/office/drawing/2014/main" id="{C583C57C-89CC-4DC3-A3D9-A01345F565FD}"/>
-              </a:ext>
-            </a:extLst>
-          </p:cNvPr>
-          <p:cNvSpPr>
-            <a:spLocks noGrp="1"/>
-          </p:cNvSpPr>
-          <p:nvPr>
-            <p:ph idx="1"/>
-          </p:nvPr>
-        </p:nvSpPr>
-        <p:spPr/>
-        <p:txBody>
-          <a:bodyPr/>
-          <a:lstStyle/>
-          <a:p>
+              <a:t>Fractals</a:t>
+            </a:r>
             <a:endParaRPr lang="en-GB" dirty="0">
               <a:latin typeface="Helvetica" panose="020B0604020202020204" pitchFamily="34" charset="0"/>
               <a:cs typeface="Helvetica" panose="020B0604020202020204" pitchFamily="34" charset="0"/>
@@ -5220,7 +5855,7 @@
           <a:p>
             <a:r>
               <a:rPr lang="en-GB"/>
-              <a:t>Kiss Boldizsár</a:t>
+              <a:t>Boldizsár Kiss</a:t>
             </a:r>
           </a:p>
         </p:txBody>
@@ -5254,10 +5889,118 @@
           </a:p>
         </p:txBody>
       </p:sp>
+      <p:pic>
+        <p:nvPicPr>
+          <p:cNvPr id="24" name="Kép 23">
+            <a:extLst>
+              <a:ext uri="{FF2B5EF4-FFF2-40B4-BE49-F238E27FC236}">
+                <a16:creationId xmlns:a16="http://schemas.microsoft.com/office/drawing/2014/main" id="{FA8A7943-E6AA-4948-BE7C-4E0E7C3AB1B9}"/>
+              </a:ext>
+            </a:extLst>
+          </p:cNvPr>
+          <p:cNvPicPr>
+            <a:picLocks noChangeAspect="1"/>
+          </p:cNvPicPr>
+          <p:nvPr/>
+        </p:nvPicPr>
+        <p:blipFill>
+          <a:blip r:embed="rId2">
+            <a:extLst>
+              <a:ext uri="{28A0092B-C50C-407E-A947-70E740481C1C}">
+                <a14:useLocalDpi xmlns:a14="http://schemas.microsoft.com/office/drawing/2010/main" val="0"/>
+              </a:ext>
+            </a:extLst>
+          </a:blip>
+          <a:stretch>
+            <a:fillRect/>
+          </a:stretch>
+        </p:blipFill>
+        <p:spPr>
+          <a:xfrm>
+            <a:off x="3367143" y="1866799"/>
+            <a:ext cx="4999618" cy="4335217"/>
+          </a:xfrm>
+          <a:prstGeom prst="rect">
+            <a:avLst/>
+          </a:prstGeom>
+        </p:spPr>
+      </p:pic>
+      <p:pic>
+        <p:nvPicPr>
+          <p:cNvPr id="7" name="Kép 6">
+            <a:extLst>
+              <a:ext uri="{FF2B5EF4-FFF2-40B4-BE49-F238E27FC236}">
+                <a16:creationId xmlns:a16="http://schemas.microsoft.com/office/drawing/2014/main" id="{51AE7A46-053E-41E4-AE5E-ABAE091D5A59}"/>
+              </a:ext>
+            </a:extLst>
+          </p:cNvPr>
+          <p:cNvPicPr>
+            <a:picLocks noChangeAspect="1"/>
+          </p:cNvPicPr>
+          <p:nvPr/>
+        </p:nvPicPr>
+        <p:blipFill>
+          <a:blip r:embed="rId3">
+            <a:extLst>
+              <a:ext uri="{28A0092B-C50C-407E-A947-70E740481C1C}">
+                <a14:useLocalDpi xmlns:a14="http://schemas.microsoft.com/office/drawing/2010/main" val="0"/>
+              </a:ext>
+            </a:extLst>
+          </a:blip>
+          <a:stretch>
+            <a:fillRect/>
+          </a:stretch>
+        </p:blipFill>
+        <p:spPr>
+          <a:xfrm>
+            <a:off x="822961" y="1866799"/>
+            <a:ext cx="1990512" cy="1804731"/>
+          </a:xfrm>
+          <a:prstGeom prst="rect">
+            <a:avLst/>
+          </a:prstGeom>
+        </p:spPr>
+      </p:pic>
+      <p:pic>
+        <p:nvPicPr>
+          <p:cNvPr id="9" name="Kép 8">
+            <a:extLst>
+              <a:ext uri="{FF2B5EF4-FFF2-40B4-BE49-F238E27FC236}">
+                <a16:creationId xmlns:a16="http://schemas.microsoft.com/office/drawing/2014/main" id="{8CB9F9E2-FE56-4691-870E-BB5243D7E089}"/>
+              </a:ext>
+            </a:extLst>
+          </p:cNvPr>
+          <p:cNvPicPr>
+            <a:picLocks noChangeAspect="1"/>
+          </p:cNvPicPr>
+          <p:nvPr/>
+        </p:nvPicPr>
+        <p:blipFill>
+          <a:blip r:embed="rId4">
+            <a:extLst>
+              <a:ext uri="{28A0092B-C50C-407E-A947-70E740481C1C}">
+                <a14:useLocalDpi xmlns:a14="http://schemas.microsoft.com/office/drawing/2010/main" val="0"/>
+              </a:ext>
+            </a:extLst>
+          </a:blip>
+          <a:stretch>
+            <a:fillRect/>
+          </a:stretch>
+        </p:blipFill>
+        <p:spPr>
+          <a:xfrm>
+            <a:off x="822960" y="4244678"/>
+            <a:ext cx="1990513" cy="1957338"/>
+          </a:xfrm>
+          <a:prstGeom prst="rect">
+            <a:avLst/>
+          </a:prstGeom>
+        </p:spPr>
+      </p:pic>
     </p:spTree>
     <p:extLst>
       <p:ext uri="{BB962C8B-B14F-4D97-AF65-F5344CB8AC3E}">
-        <p14:creationId xmlns:p14="http://schemas.microsoft.com/office/powerpoint/2010/main" val="1318103411"/>
+        <p14:creationId xmlns:p14="http://schemas.microsoft.com/office/powerpoint/2010/main" val="1207282165"/>
       </p:ext>
     </p:extLst>
   </p:cSld>
@@ -5289,6 +6032,580 @@
           <p:cNvPr id="2" name="Cím 1">
             <a:extLst>
               <a:ext uri="{FF2B5EF4-FFF2-40B4-BE49-F238E27FC236}">
+                <a16:creationId xmlns:a16="http://schemas.microsoft.com/office/drawing/2014/main" id="{31B979F5-DC88-4F3B-A447-B873BE295107}"/>
+              </a:ext>
+            </a:extLst>
+          </p:cNvPr>
+          <p:cNvSpPr>
+            <a:spLocks noGrp="1"/>
+          </p:cNvSpPr>
+          <p:nvPr>
+            <p:ph type="title"/>
+          </p:nvPr>
+        </p:nvSpPr>
+        <p:spPr/>
+        <p:txBody>
+          <a:bodyPr>
+            <a:normAutofit/>
+          </a:bodyPr>
+          <a:lstStyle/>
+          <a:p>
+            <a:r>
+              <a:rPr lang="hu-HU" dirty="0">
+                <a:latin typeface="Helvetica" panose="020B0604020202020204" pitchFamily="34" charset="0"/>
+                <a:cs typeface="Helvetica" panose="020B0604020202020204" pitchFamily="34" charset="0"/>
+              </a:rPr>
+              <a:t>Fractals</a:t>
+            </a:r>
+            <a:endParaRPr lang="en-GB" dirty="0">
+              <a:latin typeface="Helvetica" panose="020B0604020202020204" pitchFamily="34" charset="0"/>
+              <a:cs typeface="Helvetica" panose="020B0604020202020204" pitchFamily="34" charset="0"/>
+            </a:endParaRPr>
+          </a:p>
+        </p:txBody>
+      </p:sp>
+      <p:sp>
+        <p:nvSpPr>
+          <p:cNvPr id="4" name="Dátum helye 3">
+            <a:extLst>
+              <a:ext uri="{FF2B5EF4-FFF2-40B4-BE49-F238E27FC236}">
+                <a16:creationId xmlns:a16="http://schemas.microsoft.com/office/drawing/2014/main" id="{06DBCAF4-19D0-446F-A5D7-6F72FBD1C656}"/>
+              </a:ext>
+            </a:extLst>
+          </p:cNvPr>
+          <p:cNvSpPr>
+            <a:spLocks noGrp="1"/>
+          </p:cNvSpPr>
+          <p:nvPr>
+            <p:ph type="dt" sz="half" idx="10"/>
+          </p:nvPr>
+        </p:nvSpPr>
+        <p:spPr/>
+        <p:txBody>
+          <a:bodyPr/>
+          <a:lstStyle/>
+          <a:p>
+            <a:r>
+              <a:rPr lang="en-US"/>
+              <a:t>22/09/2017</a:t>
+            </a:r>
+            <a:endParaRPr lang="en-GB"/>
+          </a:p>
+        </p:txBody>
+      </p:sp>
+      <p:sp>
+        <p:nvSpPr>
+          <p:cNvPr id="5" name="Élőláb helye 4">
+            <a:extLst>
+              <a:ext uri="{FF2B5EF4-FFF2-40B4-BE49-F238E27FC236}">
+                <a16:creationId xmlns:a16="http://schemas.microsoft.com/office/drawing/2014/main" id="{A2284736-1B64-48A1-ADC3-98FD1D883A7D}"/>
+              </a:ext>
+            </a:extLst>
+          </p:cNvPr>
+          <p:cNvSpPr>
+            <a:spLocks noGrp="1"/>
+          </p:cNvSpPr>
+          <p:nvPr>
+            <p:ph type="ftr" sz="quarter" idx="11"/>
+          </p:nvPr>
+        </p:nvSpPr>
+        <p:spPr/>
+        <p:txBody>
+          <a:bodyPr/>
+          <a:lstStyle/>
+          <a:p>
+            <a:r>
+              <a:rPr lang="en-GB"/>
+              <a:t>Boldizsár Kiss</a:t>
+            </a:r>
+          </a:p>
+        </p:txBody>
+      </p:sp>
+      <p:sp>
+        <p:nvSpPr>
+          <p:cNvPr id="6" name="Dia számának helye 5">
+            <a:extLst>
+              <a:ext uri="{FF2B5EF4-FFF2-40B4-BE49-F238E27FC236}">
+                <a16:creationId xmlns:a16="http://schemas.microsoft.com/office/drawing/2014/main" id="{331DD5FA-E04D-48DF-8F2C-963B258F72FF}"/>
+              </a:ext>
+            </a:extLst>
+          </p:cNvPr>
+          <p:cNvSpPr>
+            <a:spLocks noGrp="1"/>
+          </p:cNvSpPr>
+          <p:nvPr>
+            <p:ph type="sldNum" sz="quarter" idx="12"/>
+          </p:nvPr>
+        </p:nvSpPr>
+        <p:spPr/>
+        <p:txBody>
+          <a:bodyPr/>
+          <a:lstStyle/>
+          <a:p>
+            <a:fld id="{C9A7CD4C-97E9-410C-9017-E397D30D0B9E}" type="slidenum">
+              <a:rPr lang="en-GB" smtClean="0"/>
+              <a:t>6</a:t>
+            </a:fld>
+            <a:endParaRPr lang="en-GB"/>
+          </a:p>
+        </p:txBody>
+      </p:sp>
+      <p:pic>
+        <p:nvPicPr>
+          <p:cNvPr id="18" name="Kép 17">
+            <a:extLst>
+              <a:ext uri="{FF2B5EF4-FFF2-40B4-BE49-F238E27FC236}">
+                <a16:creationId xmlns:a16="http://schemas.microsoft.com/office/drawing/2014/main" id="{A3FF4D07-7BF2-4FF2-AFA8-E8947695F749}"/>
+              </a:ext>
+            </a:extLst>
+          </p:cNvPr>
+          <p:cNvPicPr>
+            <a:picLocks noChangeAspect="1"/>
+          </p:cNvPicPr>
+          <p:nvPr/>
+        </p:nvPicPr>
+        <p:blipFill>
+          <a:blip r:embed="rId2"/>
+          <a:stretch>
+            <a:fillRect/>
+          </a:stretch>
+        </p:blipFill>
+        <p:spPr>
+          <a:xfrm>
+            <a:off x="822960" y="2275912"/>
+            <a:ext cx="4756205" cy="3478178"/>
+          </a:xfrm>
+          <a:prstGeom prst="rect">
+            <a:avLst/>
+          </a:prstGeom>
+        </p:spPr>
+      </p:pic>
+      <p:pic>
+        <p:nvPicPr>
+          <p:cNvPr id="21" name="Kép 20">
+            <a:extLst>
+              <a:ext uri="{FF2B5EF4-FFF2-40B4-BE49-F238E27FC236}">
+                <a16:creationId xmlns:a16="http://schemas.microsoft.com/office/drawing/2014/main" id="{04AE490B-2734-4758-AB35-0F5B4A51F965}"/>
+              </a:ext>
+            </a:extLst>
+          </p:cNvPr>
+          <p:cNvPicPr>
+            <a:picLocks noChangeAspect="1"/>
+          </p:cNvPicPr>
+          <p:nvPr/>
+        </p:nvPicPr>
+        <p:blipFill>
+          <a:blip r:embed="rId3"/>
+          <a:stretch>
+            <a:fillRect/>
+          </a:stretch>
+        </p:blipFill>
+        <p:spPr>
+          <a:xfrm>
+            <a:off x="6149008" y="1885459"/>
+            <a:ext cx="2217751" cy="2177428"/>
+          </a:xfrm>
+          <a:prstGeom prst="rect">
+            <a:avLst/>
+          </a:prstGeom>
+        </p:spPr>
+      </p:pic>
+      <p:pic>
+        <p:nvPicPr>
+          <p:cNvPr id="22" name="Kép 21">
+            <a:extLst>
+              <a:ext uri="{FF2B5EF4-FFF2-40B4-BE49-F238E27FC236}">
+                <a16:creationId xmlns:a16="http://schemas.microsoft.com/office/drawing/2014/main" id="{086320A6-5E70-441F-A7A8-B634610F61C9}"/>
+              </a:ext>
+            </a:extLst>
+          </p:cNvPr>
+          <p:cNvPicPr>
+            <a:picLocks noChangeAspect="1"/>
+          </p:cNvPicPr>
+          <p:nvPr/>
+        </p:nvPicPr>
+        <p:blipFill>
+          <a:blip r:embed="rId4"/>
+          <a:stretch>
+            <a:fillRect/>
+          </a:stretch>
+        </p:blipFill>
+        <p:spPr>
+          <a:xfrm>
+            <a:off x="6020123" y="4601437"/>
+            <a:ext cx="2346636" cy="1319798"/>
+          </a:xfrm>
+          <a:prstGeom prst="rect">
+            <a:avLst/>
+          </a:prstGeom>
+        </p:spPr>
+      </p:pic>
+    </p:spTree>
+    <p:extLst>
+      <p:ext uri="{BB962C8B-B14F-4D97-AF65-F5344CB8AC3E}">
+        <p14:creationId xmlns:p14="http://schemas.microsoft.com/office/powerpoint/2010/main" val="665680758"/>
+      </p:ext>
+    </p:extLst>
+  </p:cSld>
+  <p:clrMapOvr>
+    <a:masterClrMapping/>
+  </p:clrMapOvr>
+</p:sld>
+</file>
+
+<file path=ppt/slides/slide7.xml><?xml version="1.0" encoding="utf-8"?>
+<p:sld xmlns:a="http://schemas.openxmlformats.org/drawingml/2006/main" xmlns:r="http://schemas.openxmlformats.org/officeDocument/2006/relationships" xmlns:p="http://schemas.openxmlformats.org/presentationml/2006/main">
+  <p:cSld>
+    <p:spTree>
+      <p:nvGrpSpPr>
+        <p:cNvPr id="1" name=""/>
+        <p:cNvGrpSpPr/>
+        <p:nvPr/>
+      </p:nvGrpSpPr>
+      <p:grpSpPr>
+        <a:xfrm>
+          <a:off x="0" y="0"/>
+          <a:ext cx="0" cy="0"/>
+          <a:chOff x="0" y="0"/>
+          <a:chExt cx="0" cy="0"/>
+        </a:xfrm>
+      </p:grpSpPr>
+      <p:sp>
+        <p:nvSpPr>
+          <p:cNvPr id="2" name="Cím 1">
+            <a:extLst>
+              <a:ext uri="{FF2B5EF4-FFF2-40B4-BE49-F238E27FC236}">
+                <a16:creationId xmlns:a16="http://schemas.microsoft.com/office/drawing/2014/main" id="{31B979F5-DC88-4F3B-A447-B873BE295107}"/>
+              </a:ext>
+            </a:extLst>
+          </p:cNvPr>
+          <p:cNvSpPr>
+            <a:spLocks noGrp="1"/>
+          </p:cNvSpPr>
+          <p:nvPr>
+            <p:ph type="title"/>
+          </p:nvPr>
+        </p:nvSpPr>
+        <p:spPr/>
+        <p:txBody>
+          <a:bodyPr>
+            <a:normAutofit/>
+          </a:bodyPr>
+          <a:lstStyle/>
+          <a:p>
+            <a:r>
+              <a:rPr lang="hu-HU" dirty="0">
+                <a:latin typeface="Helvetica" panose="020B0604020202020204" pitchFamily="34" charset="0"/>
+                <a:cs typeface="Helvetica" panose="020B0604020202020204" pitchFamily="34" charset="0"/>
+              </a:rPr>
+              <a:t>Fractals</a:t>
+            </a:r>
+            <a:endParaRPr lang="en-GB" dirty="0">
+              <a:latin typeface="Helvetica" panose="020B0604020202020204" pitchFamily="34" charset="0"/>
+              <a:cs typeface="Helvetica" panose="020B0604020202020204" pitchFamily="34" charset="0"/>
+            </a:endParaRPr>
+          </a:p>
+        </p:txBody>
+      </p:sp>
+      <p:sp>
+        <p:nvSpPr>
+          <p:cNvPr id="4" name="Dátum helye 3">
+            <a:extLst>
+              <a:ext uri="{FF2B5EF4-FFF2-40B4-BE49-F238E27FC236}">
+                <a16:creationId xmlns:a16="http://schemas.microsoft.com/office/drawing/2014/main" id="{06DBCAF4-19D0-446F-A5D7-6F72FBD1C656}"/>
+              </a:ext>
+            </a:extLst>
+          </p:cNvPr>
+          <p:cNvSpPr>
+            <a:spLocks noGrp="1"/>
+          </p:cNvSpPr>
+          <p:nvPr>
+            <p:ph type="dt" sz="half" idx="10"/>
+          </p:nvPr>
+        </p:nvSpPr>
+        <p:spPr/>
+        <p:txBody>
+          <a:bodyPr/>
+          <a:lstStyle/>
+          <a:p>
+            <a:r>
+              <a:rPr lang="en-US"/>
+              <a:t>22/09/2017</a:t>
+            </a:r>
+            <a:endParaRPr lang="en-GB"/>
+          </a:p>
+        </p:txBody>
+      </p:sp>
+      <p:sp>
+        <p:nvSpPr>
+          <p:cNvPr id="5" name="Élőláb helye 4">
+            <a:extLst>
+              <a:ext uri="{FF2B5EF4-FFF2-40B4-BE49-F238E27FC236}">
+                <a16:creationId xmlns:a16="http://schemas.microsoft.com/office/drawing/2014/main" id="{A2284736-1B64-48A1-ADC3-98FD1D883A7D}"/>
+              </a:ext>
+            </a:extLst>
+          </p:cNvPr>
+          <p:cNvSpPr>
+            <a:spLocks noGrp="1"/>
+          </p:cNvSpPr>
+          <p:nvPr>
+            <p:ph type="ftr" sz="quarter" idx="11"/>
+          </p:nvPr>
+        </p:nvSpPr>
+        <p:spPr/>
+        <p:txBody>
+          <a:bodyPr/>
+          <a:lstStyle/>
+          <a:p>
+            <a:r>
+              <a:rPr lang="en-GB"/>
+              <a:t>Boldizsár Kiss</a:t>
+            </a:r>
+          </a:p>
+        </p:txBody>
+      </p:sp>
+      <p:sp>
+        <p:nvSpPr>
+          <p:cNvPr id="6" name="Dia számának helye 5">
+            <a:extLst>
+              <a:ext uri="{FF2B5EF4-FFF2-40B4-BE49-F238E27FC236}">
+                <a16:creationId xmlns:a16="http://schemas.microsoft.com/office/drawing/2014/main" id="{331DD5FA-E04D-48DF-8F2C-963B258F72FF}"/>
+              </a:ext>
+            </a:extLst>
+          </p:cNvPr>
+          <p:cNvSpPr>
+            <a:spLocks noGrp="1"/>
+          </p:cNvSpPr>
+          <p:nvPr>
+            <p:ph type="sldNum" sz="quarter" idx="12"/>
+          </p:nvPr>
+        </p:nvSpPr>
+        <p:spPr/>
+        <p:txBody>
+          <a:bodyPr/>
+          <a:lstStyle/>
+          <a:p>
+            <a:fld id="{C9A7CD4C-97E9-410C-9017-E397D30D0B9E}" type="slidenum">
+              <a:rPr lang="en-GB" smtClean="0"/>
+              <a:t>7</a:t>
+            </a:fld>
+            <a:endParaRPr lang="en-GB"/>
+          </a:p>
+        </p:txBody>
+      </p:sp>
+      <p:pic>
+        <p:nvPicPr>
+          <p:cNvPr id="14" name="Tartalom helye 13">
+            <a:extLst>
+              <a:ext uri="{FF2B5EF4-FFF2-40B4-BE49-F238E27FC236}">
+                <a16:creationId xmlns:a16="http://schemas.microsoft.com/office/drawing/2014/main" id="{5ECB87C3-C2F4-4178-96BB-E31950704297}"/>
+              </a:ext>
+            </a:extLst>
+          </p:cNvPr>
+          <p:cNvPicPr>
+            <a:picLocks noGrp="1" noChangeAspect="1"/>
+          </p:cNvPicPr>
+          <p:nvPr>
+            <p:ph idx="1"/>
+          </p:nvPr>
+        </p:nvPicPr>
+        <p:blipFill>
+          <a:blip r:embed="rId2"/>
+          <a:stretch>
+            <a:fillRect/>
+          </a:stretch>
+        </p:blipFill>
+        <p:spPr>
+          <a:xfrm>
+            <a:off x="381611" y="2001079"/>
+            <a:ext cx="8426498" cy="3723860"/>
+          </a:xfrm>
+          <a:prstGeom prst="rect">
+            <a:avLst/>
+          </a:prstGeom>
+        </p:spPr>
+      </p:pic>
+    </p:spTree>
+    <p:extLst>
+      <p:ext uri="{BB962C8B-B14F-4D97-AF65-F5344CB8AC3E}">
+        <p14:creationId xmlns:p14="http://schemas.microsoft.com/office/powerpoint/2010/main" val="1955987111"/>
+      </p:ext>
+    </p:extLst>
+  </p:cSld>
+  <p:clrMapOvr>
+    <a:masterClrMapping/>
+  </p:clrMapOvr>
+</p:sld>
+</file>
+
+<file path=ppt/slides/slide8.xml><?xml version="1.0" encoding="utf-8"?>
+<p:sld xmlns:a="http://schemas.openxmlformats.org/drawingml/2006/main" xmlns:r="http://schemas.openxmlformats.org/officeDocument/2006/relationships" xmlns:p="http://schemas.openxmlformats.org/presentationml/2006/main">
+  <p:cSld>
+    <p:spTree>
+      <p:nvGrpSpPr>
+        <p:cNvPr id="1" name=""/>
+        <p:cNvGrpSpPr/>
+        <p:nvPr/>
+      </p:nvGrpSpPr>
+      <p:grpSpPr>
+        <a:xfrm>
+          <a:off x="0" y="0"/>
+          <a:ext cx="0" cy="0"/>
+          <a:chOff x="0" y="0"/>
+          <a:chExt cx="0" cy="0"/>
+        </a:xfrm>
+      </p:grpSpPr>
+      <p:sp>
+        <p:nvSpPr>
+          <p:cNvPr id="2" name="Dátum helye 1">
+            <a:extLst>
+              <a:ext uri="{FF2B5EF4-FFF2-40B4-BE49-F238E27FC236}">
+                <a16:creationId xmlns:a16="http://schemas.microsoft.com/office/drawing/2014/main" id="{4C99628C-14F3-41BA-B8E4-BB49BA71B486}"/>
+              </a:ext>
+            </a:extLst>
+          </p:cNvPr>
+          <p:cNvSpPr>
+            <a:spLocks noGrp="1"/>
+          </p:cNvSpPr>
+          <p:nvPr>
+            <p:ph type="dt" sz="half" idx="10"/>
+          </p:nvPr>
+        </p:nvSpPr>
+        <p:spPr/>
+        <p:txBody>
+          <a:bodyPr/>
+          <a:lstStyle/>
+          <a:p>
+            <a:r>
+              <a:rPr lang="en-US"/>
+              <a:t>22/09/2017</a:t>
+            </a:r>
+            <a:endParaRPr lang="en-GB"/>
+          </a:p>
+        </p:txBody>
+      </p:sp>
+      <p:sp>
+        <p:nvSpPr>
+          <p:cNvPr id="3" name="Élőláb helye 2">
+            <a:extLst>
+              <a:ext uri="{FF2B5EF4-FFF2-40B4-BE49-F238E27FC236}">
+                <a16:creationId xmlns:a16="http://schemas.microsoft.com/office/drawing/2014/main" id="{86B8964B-167F-4D1A-93AD-70A65732C041}"/>
+              </a:ext>
+            </a:extLst>
+          </p:cNvPr>
+          <p:cNvSpPr>
+            <a:spLocks noGrp="1"/>
+          </p:cNvSpPr>
+          <p:nvPr>
+            <p:ph type="ftr" sz="quarter" idx="11"/>
+          </p:nvPr>
+        </p:nvSpPr>
+        <p:spPr/>
+        <p:txBody>
+          <a:bodyPr/>
+          <a:lstStyle/>
+          <a:p>
+            <a:r>
+              <a:rPr lang="en-GB"/>
+              <a:t>Boldizsár Kiss</a:t>
+            </a:r>
+          </a:p>
+        </p:txBody>
+      </p:sp>
+      <p:sp>
+        <p:nvSpPr>
+          <p:cNvPr id="4" name="Dia számának helye 3">
+            <a:extLst>
+              <a:ext uri="{FF2B5EF4-FFF2-40B4-BE49-F238E27FC236}">
+                <a16:creationId xmlns:a16="http://schemas.microsoft.com/office/drawing/2014/main" id="{7F702C90-25BF-4E1C-B4BE-E421A3DD90A4}"/>
+              </a:ext>
+            </a:extLst>
+          </p:cNvPr>
+          <p:cNvSpPr>
+            <a:spLocks noGrp="1"/>
+          </p:cNvSpPr>
+          <p:nvPr>
+            <p:ph type="sldNum" sz="quarter" idx="12"/>
+          </p:nvPr>
+        </p:nvSpPr>
+        <p:spPr/>
+        <p:txBody>
+          <a:bodyPr/>
+          <a:lstStyle/>
+          <a:p>
+            <a:fld id="{C9A7CD4C-97E9-410C-9017-E397D30D0B9E}" type="slidenum">
+              <a:rPr lang="en-GB" smtClean="0"/>
+              <a:t>8</a:t>
+            </a:fld>
+            <a:endParaRPr lang="en-GB"/>
+          </a:p>
+        </p:txBody>
+      </p:sp>
+      <p:pic>
+        <p:nvPicPr>
+          <p:cNvPr id="5" name="Tartalom helye 6">
+            <a:extLst>
+              <a:ext uri="{FF2B5EF4-FFF2-40B4-BE49-F238E27FC236}">
+                <a16:creationId xmlns:a16="http://schemas.microsoft.com/office/drawing/2014/main" id="{E32417D5-DAE4-4301-A9E3-DFC68FF23E28}"/>
+              </a:ext>
+            </a:extLst>
+          </p:cNvPr>
+          <p:cNvPicPr>
+            <a:picLocks noChangeAspect="1"/>
+          </p:cNvPicPr>
+          <p:nvPr/>
+        </p:nvPicPr>
+        <p:blipFill>
+          <a:blip r:embed="rId2"/>
+          <a:stretch>
+            <a:fillRect/>
+          </a:stretch>
+        </p:blipFill>
+        <p:spPr>
+          <a:xfrm>
+            <a:off x="1629057" y="291549"/>
+            <a:ext cx="5900633" cy="5910468"/>
+          </a:xfrm>
+          <a:prstGeom prst="rect">
+            <a:avLst/>
+          </a:prstGeom>
+        </p:spPr>
+      </p:pic>
+    </p:spTree>
+    <p:extLst>
+      <p:ext uri="{BB962C8B-B14F-4D97-AF65-F5344CB8AC3E}">
+        <p14:creationId xmlns:p14="http://schemas.microsoft.com/office/powerpoint/2010/main" val="1249091497"/>
+      </p:ext>
+    </p:extLst>
+  </p:cSld>
+  <p:clrMapOvr>
+    <a:masterClrMapping/>
+  </p:clrMapOvr>
+</p:sld>
+</file>
+
+<file path=ppt/slides/slide9.xml><?xml version="1.0" encoding="utf-8"?>
+<p:sld xmlns:a="http://schemas.openxmlformats.org/drawingml/2006/main" xmlns:r="http://schemas.openxmlformats.org/officeDocument/2006/relationships" xmlns:p="http://schemas.openxmlformats.org/presentationml/2006/main">
+  <p:cSld>
+    <p:spTree>
+      <p:nvGrpSpPr>
+        <p:cNvPr id="1" name=""/>
+        <p:cNvGrpSpPr/>
+        <p:nvPr/>
+      </p:nvGrpSpPr>
+      <p:grpSpPr>
+        <a:xfrm>
+          <a:off x="0" y="0"/>
+          <a:ext cx="0" cy="0"/>
+          <a:chOff x="0" y="0"/>
+          <a:chExt cx="0" cy="0"/>
+        </a:xfrm>
+      </p:grpSpPr>
+      <p:sp>
+        <p:nvSpPr>
+          <p:cNvPr id="2" name="Cím 1">
+            <a:extLst>
+              <a:ext uri="{FF2B5EF4-FFF2-40B4-BE49-F238E27FC236}">
                 <a16:creationId xmlns:a16="http://schemas.microsoft.com/office/drawing/2014/main" id="{C15988AE-637E-46FF-8DAB-7A8A861F76E6}"/>
               </a:ext>
             </a:extLst>
@@ -5302,53 +6619,55 @@
         </p:nvSpPr>
         <p:spPr/>
         <p:txBody>
-          <a:bodyPr/>
+          <a:bodyPr>
+            <a:normAutofit/>
+          </a:bodyPr>
           <a:lstStyle/>
           <a:p>
             <a:pPr algn="ctr"/>
             <a:r>
-              <a:rPr lang="hu-HU" dirty="0" err="1">
+              <a:rPr lang="hu-HU" sz="6000" dirty="0" err="1">
                 <a:latin typeface="Helvetica" panose="020B0604020202020204" pitchFamily="34" charset="0"/>
                 <a:cs typeface="Helvetica" panose="020B0604020202020204" pitchFamily="34" charset="0"/>
               </a:rPr>
               <a:t>Thanks</a:t>
             </a:r>
             <a:r>
-              <a:rPr lang="hu-HU" dirty="0">
+              <a:rPr lang="hu-HU" sz="6000" dirty="0">
                 <a:latin typeface="Helvetica" panose="020B0604020202020204" pitchFamily="34" charset="0"/>
                 <a:cs typeface="Helvetica" panose="020B0604020202020204" pitchFamily="34" charset="0"/>
               </a:rPr>
               <a:t> </a:t>
             </a:r>
             <a:r>
-              <a:rPr lang="hu-HU" dirty="0" err="1">
+              <a:rPr lang="hu-HU" sz="6000" dirty="0" err="1">
                 <a:latin typeface="Helvetica" panose="020B0604020202020204" pitchFamily="34" charset="0"/>
                 <a:cs typeface="Helvetica" panose="020B0604020202020204" pitchFamily="34" charset="0"/>
               </a:rPr>
               <a:t>for</a:t>
             </a:r>
             <a:r>
-              <a:rPr lang="hu-HU" dirty="0">
+              <a:rPr lang="hu-HU" sz="6000" dirty="0">
                 <a:latin typeface="Helvetica" panose="020B0604020202020204" pitchFamily="34" charset="0"/>
                 <a:cs typeface="Helvetica" panose="020B0604020202020204" pitchFamily="34" charset="0"/>
               </a:rPr>
               <a:t> </a:t>
             </a:r>
             <a:r>
-              <a:rPr lang="hu-HU" dirty="0" err="1">
+              <a:rPr lang="hu-HU" sz="6000" dirty="0" err="1">
                 <a:latin typeface="Helvetica" panose="020B0604020202020204" pitchFamily="34" charset="0"/>
                 <a:cs typeface="Helvetica" panose="020B0604020202020204" pitchFamily="34" charset="0"/>
               </a:rPr>
               <a:t>watching</a:t>
             </a:r>
             <a:r>
-              <a:rPr lang="hu-HU" dirty="0">
+              <a:rPr lang="hu-HU" sz="6000" dirty="0">
                 <a:latin typeface="Helvetica" panose="020B0604020202020204" pitchFamily="34" charset="0"/>
                 <a:cs typeface="Helvetica" panose="020B0604020202020204" pitchFamily="34" charset="0"/>
               </a:rPr>
               <a:t>!</a:t>
             </a:r>
-            <a:endParaRPr lang="en-GB" dirty="0">
+            <a:endParaRPr lang="en-GB" sz="6000" dirty="0">
               <a:latin typeface="Helvetica" panose="020B0604020202020204" pitchFamily="34" charset="0"/>
               <a:cs typeface="Helvetica" panose="020B0604020202020204" pitchFamily="34" charset="0"/>
             </a:endParaRPr>
@@ -5407,7 +6726,7 @@
           <a:p>
             <a:r>
               <a:rPr lang="en-GB"/>
-              <a:t>Kiss Boldizsár</a:t>
+              <a:t>Boldizsár Kiss</a:t>
             </a:r>
           </a:p>
         </p:txBody>
@@ -5435,7 +6754,7 @@
           <a:p>
             <a:fld id="{C9A7CD4C-97E9-410C-9017-E397D30D0B9E}" type="slidenum">
               <a:rPr lang="en-GB" smtClean="0"/>
-              <a:t>6</a:t>
+              <a:t>9</a:t>
             </a:fld>
             <a:endParaRPr lang="en-GB"/>
           </a:p>
@@ -6030,4 +7349,299 @@
     </a:ext>
   </a:extLst>
 </a:theme>
+</file>
+
+<file path=ppt/theme/theme3.xml><?xml version="1.0" encoding="utf-8"?>
+<a:theme xmlns:a="http://schemas.openxmlformats.org/drawingml/2006/main" name="Office-téma">
+  <a:themeElements>
+    <a:clrScheme name="Office">
+      <a:dk1>
+        <a:sysClr val="windowText" lastClr="000000"/>
+      </a:dk1>
+      <a:lt1>
+        <a:sysClr val="window" lastClr="FFFFFF"/>
+      </a:lt1>
+      <a:dk2>
+        <a:srgbClr val="44546A"/>
+      </a:dk2>
+      <a:lt2>
+        <a:srgbClr val="E7E6E6"/>
+      </a:lt2>
+      <a:accent1>
+        <a:srgbClr val="4472C4"/>
+      </a:accent1>
+      <a:accent2>
+        <a:srgbClr val="ED7D31"/>
+      </a:accent2>
+      <a:accent3>
+        <a:srgbClr val="A5A5A5"/>
+      </a:accent3>
+      <a:accent4>
+        <a:srgbClr val="FFC000"/>
+      </a:accent4>
+      <a:accent5>
+        <a:srgbClr val="5B9BD5"/>
+      </a:accent5>
+      <a:accent6>
+        <a:srgbClr val="70AD47"/>
+      </a:accent6>
+      <a:hlink>
+        <a:srgbClr val="0563C1"/>
+      </a:hlink>
+      <a:folHlink>
+        <a:srgbClr val="954F72"/>
+      </a:folHlink>
+    </a:clrScheme>
+    <a:fontScheme name="Office">
+      <a:majorFont>
+        <a:latin typeface="Calibri Light" panose="020F0302020204030204"/>
+        <a:ea typeface=""/>
+        <a:cs typeface=""/>
+        <a:font script="Jpan" typeface="游ゴシック Light"/>
+        <a:font script="Hang" typeface="맑은 고딕"/>
+        <a:font script="Hans" typeface="等线 Light"/>
+        <a:font script="Hant" typeface="新細明體"/>
+        <a:font script="Arab" typeface="Times New Roman"/>
+        <a:font script="Hebr" typeface="Times New Roman"/>
+        <a:font script="Thai" typeface="Angsana New"/>
+        <a:font script="Ethi" typeface="Nyala"/>
+        <a:font script="Beng" typeface="Vrinda"/>
+        <a:font script="Gujr" typeface="Shruti"/>
+        <a:font script="Khmr" typeface="MoolBoran"/>
+        <a:font script="Knda" typeface="Tunga"/>
+        <a:font script="Guru" typeface="Raavi"/>
+        <a:font script="Cans" typeface="Euphemia"/>
+        <a:font script="Cher" typeface="Plantagenet Cherokee"/>
+        <a:font script="Yiii" typeface="Microsoft Yi Baiti"/>
+        <a:font script="Tibt" typeface="Microsoft Himalaya"/>
+        <a:font script="Thaa" typeface="MV Boli"/>
+        <a:font script="Deva" typeface="Mangal"/>
+        <a:font script="Telu" typeface="Gautami"/>
+        <a:font script="Taml" typeface="Latha"/>
+        <a:font script="Syrc" typeface="Estrangelo Edessa"/>
+        <a:font script="Orya" typeface="Kalinga"/>
+        <a:font script="Mlym" typeface="Kartika"/>
+        <a:font script="Laoo" typeface="DokChampa"/>
+        <a:font script="Sinh" typeface="Iskoola Pota"/>
+        <a:font script="Mong" typeface="Mongolian Baiti"/>
+        <a:font script="Viet" typeface="Times New Roman"/>
+        <a:font script="Uigh" typeface="Microsoft Uighur"/>
+        <a:font script="Geor" typeface="Sylfaen"/>
+        <a:font script="Armn" typeface="Arial"/>
+        <a:font script="Bugi" typeface="Leelawadee UI"/>
+        <a:font script="Bopo" typeface="Microsoft JhengHei"/>
+        <a:font script="Java" typeface="Javanese Text"/>
+        <a:font script="Lisu" typeface="Segoe UI"/>
+        <a:font script="Mymr" typeface="Myanmar Text"/>
+        <a:font script="Nkoo" typeface="Ebrima"/>
+        <a:font script="Olck" typeface="Nirmala UI"/>
+        <a:font script="Osma" typeface="Ebrima"/>
+        <a:font script="Phag" typeface="Phagspa"/>
+        <a:font script="Syrn" typeface="Estrangelo Edessa"/>
+        <a:font script="Syrj" typeface="Estrangelo Edessa"/>
+        <a:font script="Syre" typeface="Estrangelo Edessa"/>
+        <a:font script="Sora" typeface="Nirmala UI"/>
+        <a:font script="Tale" typeface="Microsoft Tai Le"/>
+        <a:font script="Talu" typeface="Microsoft New Tai Lue"/>
+        <a:font script="Tfng" typeface="Ebrima"/>
+      </a:majorFont>
+      <a:minorFont>
+        <a:latin typeface="Calibri" panose="020F0502020204030204"/>
+        <a:ea typeface=""/>
+        <a:cs typeface=""/>
+        <a:font script="Jpan" typeface="游ゴシック"/>
+        <a:font script="Hang" typeface="맑은 고딕"/>
+        <a:font script="Hans" typeface="等线"/>
+        <a:font script="Hant" typeface="新細明體"/>
+        <a:font script="Arab" typeface="Arial"/>
+        <a:font script="Hebr" typeface="Arial"/>
+        <a:font script="Thai" typeface="Cordia New"/>
+        <a:font script="Ethi" typeface="Nyala"/>
+        <a:font script="Beng" typeface="Vrinda"/>
+        <a:font script="Gujr" typeface="Shruti"/>
+        <a:font script="Khmr" typeface="DaunPenh"/>
+        <a:font script="Knda" typeface="Tunga"/>
+        <a:font script="Guru" typeface="Raavi"/>
+        <a:font script="Cans" typeface="Euphemia"/>
+        <a:font script="Cher" typeface="Plantagenet Cherokee"/>
+        <a:font script="Yiii" typeface="Microsoft Yi Baiti"/>
+        <a:font script="Tibt" typeface="Microsoft Himalaya"/>
+        <a:font script="Thaa" typeface="MV Boli"/>
+        <a:font script="Deva" typeface="Mangal"/>
+        <a:font script="Telu" typeface="Gautami"/>
+        <a:font script="Taml" typeface="Latha"/>
+        <a:font script="Syrc" typeface="Estrangelo Edessa"/>
+        <a:font script="Orya" typeface="Kalinga"/>
+        <a:font script="Mlym" typeface="Kartika"/>
+        <a:font script="Laoo" typeface="DokChampa"/>
+        <a:font script="Sinh" typeface="Iskoola Pota"/>
+        <a:font script="Mong" typeface="Mongolian Baiti"/>
+        <a:font script="Viet" typeface="Arial"/>
+        <a:font script="Uigh" typeface="Microsoft Uighur"/>
+        <a:font script="Geor" typeface="Sylfaen"/>
+        <a:font script="Armn" typeface="Arial"/>
+        <a:font script="Bugi" typeface="Leelawadee UI"/>
+        <a:font script="Bopo" typeface="Microsoft JhengHei"/>
+        <a:font script="Java" typeface="Javanese Text"/>
+        <a:font script="Lisu" typeface="Segoe UI"/>
+        <a:font script="Mymr" typeface="Myanmar Text"/>
+        <a:font script="Nkoo" typeface="Ebrima"/>
+        <a:font script="Olck" typeface="Nirmala UI"/>
+        <a:font script="Osma" typeface="Ebrima"/>
+        <a:font script="Phag" typeface="Phagspa"/>
+        <a:font script="Syrn" typeface="Estrangelo Edessa"/>
+        <a:font script="Syrj" typeface="Estrangelo Edessa"/>
+        <a:font script="Syre" typeface="Estrangelo Edessa"/>
+        <a:font script="Sora" typeface="Nirmala UI"/>
+        <a:font script="Tale" typeface="Microsoft Tai Le"/>
+        <a:font script="Talu" typeface="Microsoft New Tai Lue"/>
+        <a:font script="Tfng" typeface="Ebrima"/>
+      </a:minorFont>
+    </a:fontScheme>
+    <a:fmtScheme name="Office">
+      <a:fillStyleLst>
+        <a:solidFill>
+          <a:schemeClr val="phClr"/>
+        </a:solidFill>
+        <a:gradFill rotWithShape="1">
+          <a:gsLst>
+            <a:gs pos="0">
+              <a:schemeClr val="phClr">
+                <a:lumMod val="110000"/>
+                <a:satMod val="105000"/>
+                <a:tint val="67000"/>
+              </a:schemeClr>
+            </a:gs>
+            <a:gs pos="50000">
+              <a:schemeClr val="phClr">
+                <a:lumMod val="105000"/>
+                <a:satMod val="103000"/>
+                <a:tint val="73000"/>
+              </a:schemeClr>
+            </a:gs>
+            <a:gs pos="100000">
+              <a:schemeClr val="phClr">
+                <a:lumMod val="105000"/>
+                <a:satMod val="109000"/>
+                <a:tint val="81000"/>
+              </a:schemeClr>
+            </a:gs>
+          </a:gsLst>
+          <a:lin ang="5400000" scaled="0"/>
+        </a:gradFill>
+        <a:gradFill rotWithShape="1">
+          <a:gsLst>
+            <a:gs pos="0">
+              <a:schemeClr val="phClr">
+                <a:satMod val="103000"/>
+                <a:lumMod val="102000"/>
+                <a:tint val="94000"/>
+              </a:schemeClr>
+            </a:gs>
+            <a:gs pos="50000">
+              <a:schemeClr val="phClr">
+                <a:satMod val="110000"/>
+                <a:lumMod val="100000"/>
+                <a:shade val="100000"/>
+              </a:schemeClr>
+            </a:gs>
+            <a:gs pos="100000">
+              <a:schemeClr val="phClr">
+                <a:lumMod val="99000"/>
+                <a:satMod val="120000"/>
+                <a:shade val="78000"/>
+              </a:schemeClr>
+            </a:gs>
+          </a:gsLst>
+          <a:lin ang="5400000" scaled="0"/>
+        </a:gradFill>
+      </a:fillStyleLst>
+      <a:lnStyleLst>
+        <a:ln w="6350" cap="flat" cmpd="sng" algn="ctr">
+          <a:solidFill>
+            <a:schemeClr val="phClr"/>
+          </a:solidFill>
+          <a:prstDash val="solid"/>
+          <a:miter lim="800000"/>
+        </a:ln>
+        <a:ln w="12700" cap="flat" cmpd="sng" algn="ctr">
+          <a:solidFill>
+            <a:schemeClr val="phClr"/>
+          </a:solidFill>
+          <a:prstDash val="solid"/>
+          <a:miter lim="800000"/>
+        </a:ln>
+        <a:ln w="19050" cap="flat" cmpd="sng" algn="ctr">
+          <a:solidFill>
+            <a:schemeClr val="phClr"/>
+          </a:solidFill>
+          <a:prstDash val="solid"/>
+          <a:miter lim="800000"/>
+        </a:ln>
+      </a:lnStyleLst>
+      <a:effectStyleLst>
+        <a:effectStyle>
+          <a:effectLst/>
+        </a:effectStyle>
+        <a:effectStyle>
+          <a:effectLst/>
+        </a:effectStyle>
+        <a:effectStyle>
+          <a:effectLst>
+            <a:outerShdw blurRad="57150" dist="19050" dir="5400000" algn="ctr" rotWithShape="0">
+              <a:srgbClr val="000000">
+                <a:alpha val="63000"/>
+              </a:srgbClr>
+            </a:outerShdw>
+          </a:effectLst>
+        </a:effectStyle>
+      </a:effectStyleLst>
+      <a:bgFillStyleLst>
+        <a:solidFill>
+          <a:schemeClr val="phClr"/>
+        </a:solidFill>
+        <a:solidFill>
+          <a:schemeClr val="phClr">
+            <a:tint val="95000"/>
+            <a:satMod val="170000"/>
+          </a:schemeClr>
+        </a:solidFill>
+        <a:gradFill rotWithShape="1">
+          <a:gsLst>
+            <a:gs pos="0">
+              <a:schemeClr val="phClr">
+                <a:tint val="93000"/>
+                <a:satMod val="150000"/>
+                <a:shade val="98000"/>
+                <a:lumMod val="102000"/>
+              </a:schemeClr>
+            </a:gs>
+            <a:gs pos="50000">
+              <a:schemeClr val="phClr">
+                <a:tint val="98000"/>
+                <a:satMod val="130000"/>
+                <a:shade val="90000"/>
+                <a:lumMod val="103000"/>
+              </a:schemeClr>
+            </a:gs>
+            <a:gs pos="100000">
+              <a:schemeClr val="phClr">
+                <a:shade val="63000"/>
+                <a:satMod val="120000"/>
+              </a:schemeClr>
+            </a:gs>
+          </a:gsLst>
+          <a:lin ang="5400000" scaled="0"/>
+        </a:gradFill>
+      </a:bgFillStyleLst>
+    </a:fmtScheme>
+  </a:themeElements>
+  <a:objectDefaults/>
+  <a:extraClrSchemeLst/>
+  <a:extLst>
+    <a:ext uri="{05A4C25C-085E-4340-85A3-A5531E510DB2}">
+      <thm15:themeFamily xmlns:thm15="http://schemas.microsoft.com/office/thememl/2012/main" name="Office Theme" id="{62F939B6-93AF-4DB8-9C6B-D6C7DFDC589F}" vid="{4A3C46E8-61CC-4603-A589-7422A47A8E4A}"/>
+    </a:ext>
+  </a:extLst>
+</a:theme>
 </file>
--- a/week03/day05/demo/ppt-w03.pptx
+++ b/week03/day05/demo/ppt-w03.pptx
@@ -186,7 +186,7 @@
           </a:lstStyle>
           <a:p>
             <a:r>
-              <a:rPr lang="en-GB"/>
+              <a:rPr lang="en-GB" dirty="0"/>
               <a:t>Review of the third week</a:t>
             </a:r>
           </a:p>
@@ -229,7 +229,7 @@
               <a:rPr lang="en-GB" smtClean="0"/>
               <a:t>22/09/2017</a:t>
             </a:fld>
-            <a:endParaRPr lang="en-GB"/>
+            <a:endParaRPr lang="en-GB" dirty="0"/>
           </a:p>
         </p:txBody>
       </p:sp>
@@ -266,7 +266,7 @@
             </a:lvl1pPr>
           </a:lstStyle>
           <a:p>
-            <a:endParaRPr lang="en-GB"/>
+            <a:endParaRPr lang="en-GB" dirty="0"/>
           </a:p>
         </p:txBody>
       </p:sp>
@@ -307,7 +307,7 @@
               <a:rPr lang="en-GB" smtClean="0"/>
               <a:t>‹#›</a:t>
             </a:fld>
-            <a:endParaRPr lang="en-GB"/>
+            <a:endParaRPr lang="en-GB" dirty="0"/>
           </a:p>
         </p:txBody>
       </p:sp>
@@ -373,7 +373,7 @@
           </a:lstStyle>
           <a:p>
             <a:r>
-              <a:rPr lang="en-GB"/>
+              <a:rPr lang="en-GB" dirty="0"/>
               <a:t>Review of the third week</a:t>
             </a:r>
           </a:p>
@@ -410,7 +410,7 @@
               <a:rPr lang="en-GB" smtClean="0"/>
               <a:t>22/09/2017</a:t>
             </a:fld>
-            <a:endParaRPr lang="en-GB"/>
+            <a:endParaRPr lang="en-GB" dirty="0"/>
           </a:p>
         </p:txBody>
       </p:sp>
@@ -443,7 +443,7 @@
           <a:bodyPr vert="horz" lIns="91440" tIns="45720" rIns="91440" bIns="45720" rtlCol="0" anchor="ctr"/>
           <a:lstStyle/>
           <a:p>
-            <a:endParaRPr lang="en-GB"/>
+            <a:endParaRPr lang="en-GB" dirty="0"/>
           </a:p>
         </p:txBody>
       </p:sp>
@@ -534,7 +534,7 @@
             </a:lvl1pPr>
           </a:lstStyle>
           <a:p>
-            <a:endParaRPr lang="en-GB"/>
+            <a:endParaRPr lang="en-GB" dirty="0"/>
           </a:p>
         </p:txBody>
       </p:sp>
@@ -569,7 +569,7 @@
               <a:rPr lang="en-GB" smtClean="0"/>
               <a:t>‹#›</a:t>
             </a:fld>
-            <a:endParaRPr lang="en-GB"/>
+            <a:endParaRPr lang="en-GB" dirty="0"/>
           </a:p>
         </p:txBody>
       </p:sp>
@@ -902,10 +902,10 @@
           <a:lstStyle/>
           <a:p>
             <a:r>
-              <a:rPr lang="en-US"/>
+              <a:rPr lang="en-US" dirty="0"/>
               <a:t>22/09/2017</a:t>
             </a:r>
-            <a:endParaRPr lang="en-GB"/>
+            <a:endParaRPr lang="en-GB" dirty="0"/>
           </a:p>
         </p:txBody>
       </p:sp>
@@ -925,7 +925,7 @@
           <a:lstStyle/>
           <a:p>
             <a:r>
-              <a:rPr lang="en-GB"/>
+              <a:rPr lang="en-GB" dirty="0"/>
               <a:t>Boldizsár Kiss</a:t>
             </a:r>
           </a:p>
@@ -950,7 +950,7 @@
               <a:rPr lang="en-GB" smtClean="0"/>
               <a:t>‹#›</a:t>
             </a:fld>
-            <a:endParaRPr lang="en-GB"/>
+            <a:endParaRPr lang="en-GB" dirty="0"/>
           </a:p>
         </p:txBody>
       </p:sp>
@@ -1113,10 +1113,10 @@
           <a:lstStyle/>
           <a:p>
             <a:r>
-              <a:rPr lang="en-US"/>
+              <a:rPr lang="en-US" dirty="0"/>
               <a:t>22/09/2017</a:t>
             </a:r>
-            <a:endParaRPr lang="en-GB"/>
+            <a:endParaRPr lang="en-GB" dirty="0"/>
           </a:p>
         </p:txBody>
       </p:sp>
@@ -1136,7 +1136,7 @@
           <a:lstStyle/>
           <a:p>
             <a:r>
-              <a:rPr lang="en-GB"/>
+              <a:rPr lang="en-GB" dirty="0"/>
               <a:t>Boldizsár Kiss</a:t>
             </a:r>
           </a:p>
@@ -1161,7 +1161,7 @@
               <a:rPr lang="en-GB" smtClean="0"/>
               <a:t>‹#›</a:t>
             </a:fld>
-            <a:endParaRPr lang="en-GB"/>
+            <a:endParaRPr lang="en-GB" dirty="0"/>
           </a:p>
         </p:txBody>
       </p:sp>
@@ -1372,10 +1372,10 @@
           <a:lstStyle/>
           <a:p>
             <a:r>
-              <a:rPr lang="en-US"/>
+              <a:rPr lang="en-US" dirty="0"/>
               <a:t>22/09/2017</a:t>
             </a:r>
-            <a:endParaRPr lang="en-GB"/>
+            <a:endParaRPr lang="en-GB" dirty="0"/>
           </a:p>
         </p:txBody>
       </p:sp>
@@ -1395,7 +1395,7 @@
           <a:lstStyle/>
           <a:p>
             <a:r>
-              <a:rPr lang="en-GB"/>
+              <a:rPr lang="en-GB" dirty="0"/>
               <a:t>Boldizsár Kiss</a:t>
             </a:r>
           </a:p>
@@ -1420,7 +1420,7 @@
               <a:rPr lang="en-GB" smtClean="0"/>
               <a:t>‹#›</a:t>
             </a:fld>
-            <a:endParaRPr lang="en-GB"/>
+            <a:endParaRPr lang="en-GB" dirty="0"/>
           </a:p>
         </p:txBody>
       </p:sp>
@@ -1545,10 +1545,10 @@
           <a:lstStyle/>
           <a:p>
             <a:r>
-              <a:rPr lang="en-US"/>
+              <a:rPr lang="en-US" dirty="0"/>
               <a:t>22/09/2017</a:t>
             </a:r>
-            <a:endParaRPr lang="en-GB"/>
+            <a:endParaRPr lang="en-GB" dirty="0"/>
           </a:p>
         </p:txBody>
       </p:sp>
@@ -1568,7 +1568,7 @@
           <a:lstStyle/>
           <a:p>
             <a:r>
-              <a:rPr lang="en-GB"/>
+              <a:rPr lang="en-GB" dirty="0"/>
               <a:t>Boldizsár Kiss</a:t>
             </a:r>
           </a:p>
@@ -1593,7 +1593,7 @@
               <a:rPr lang="en-GB" smtClean="0"/>
               <a:t>‹#›</a:t>
             </a:fld>
-            <a:endParaRPr lang="en-GB"/>
+            <a:endParaRPr lang="en-GB" dirty="0"/>
           </a:p>
         </p:txBody>
       </p:sp>
@@ -1891,10 +1891,10 @@
           <a:lstStyle/>
           <a:p>
             <a:r>
-              <a:rPr lang="en-US"/>
+              <a:rPr lang="en-US" dirty="0"/>
               <a:t>22/09/2017</a:t>
             </a:r>
-            <a:endParaRPr lang="en-GB"/>
+            <a:endParaRPr lang="en-GB" dirty="0"/>
           </a:p>
         </p:txBody>
       </p:sp>
@@ -1914,7 +1914,7 @@
           <a:lstStyle/>
           <a:p>
             <a:r>
-              <a:rPr lang="en-GB"/>
+              <a:rPr lang="en-GB" dirty="0"/>
               <a:t>Boldizsár Kiss</a:t>
             </a:r>
           </a:p>
@@ -1939,7 +1939,7 @@
               <a:rPr lang="en-GB" smtClean="0"/>
               <a:t>‹#›</a:t>
             </a:fld>
-            <a:endParaRPr lang="en-GB"/>
+            <a:endParaRPr lang="en-GB" dirty="0"/>
           </a:p>
         </p:txBody>
       </p:sp>
@@ -2169,10 +2169,10 @@
           <a:lstStyle/>
           <a:p>
             <a:r>
-              <a:rPr lang="en-US"/>
+              <a:rPr lang="en-US" dirty="0"/>
               <a:t>22/09/2017</a:t>
             </a:r>
-            <a:endParaRPr lang="en-GB"/>
+            <a:endParaRPr lang="en-GB" dirty="0"/>
           </a:p>
         </p:txBody>
       </p:sp>
@@ -2192,7 +2192,7 @@
           <a:lstStyle/>
           <a:p>
             <a:r>
-              <a:rPr lang="en-GB"/>
+              <a:rPr lang="en-GB" dirty="0"/>
               <a:t>Boldizsár Kiss</a:t>
             </a:r>
           </a:p>
@@ -2217,7 +2217,7 @@
               <a:rPr lang="en-GB" smtClean="0"/>
               <a:t>‹#›</a:t>
             </a:fld>
-            <a:endParaRPr lang="en-GB"/>
+            <a:endParaRPr lang="en-GB" dirty="0"/>
           </a:p>
         </p:txBody>
       </p:sp>
@@ -2551,10 +2551,10 @@
           <a:lstStyle/>
           <a:p>
             <a:r>
-              <a:rPr lang="en-US"/>
+              <a:rPr lang="en-US" dirty="0"/>
               <a:t>22/09/2017</a:t>
             </a:r>
-            <a:endParaRPr lang="en-GB"/>
+            <a:endParaRPr lang="en-GB" dirty="0"/>
           </a:p>
         </p:txBody>
       </p:sp>
@@ -2574,7 +2574,7 @@
           <a:lstStyle/>
           <a:p>
             <a:r>
-              <a:rPr lang="en-GB"/>
+              <a:rPr lang="en-GB" dirty="0"/>
               <a:t>Boldizsár Kiss</a:t>
             </a:r>
           </a:p>
@@ -2599,7 +2599,7 @@
               <a:rPr lang="en-GB" smtClean="0"/>
               <a:t>‹#›</a:t>
             </a:fld>
-            <a:endParaRPr lang="en-GB"/>
+            <a:endParaRPr lang="en-GB" dirty="0"/>
           </a:p>
         </p:txBody>
       </p:sp>
@@ -2672,10 +2672,10 @@
           <a:lstStyle/>
           <a:p>
             <a:r>
-              <a:rPr lang="en-US"/>
+              <a:rPr lang="en-US" dirty="0"/>
               <a:t>22/09/2017</a:t>
             </a:r>
-            <a:endParaRPr lang="en-GB"/>
+            <a:endParaRPr lang="en-GB" dirty="0"/>
           </a:p>
         </p:txBody>
       </p:sp>
@@ -2695,7 +2695,7 @@
           <a:lstStyle/>
           <a:p>
             <a:r>
-              <a:rPr lang="en-GB"/>
+              <a:rPr lang="en-GB" dirty="0"/>
               <a:t>Boldizsár Kiss</a:t>
             </a:r>
           </a:p>
@@ -2720,7 +2720,7 @@
               <a:rPr lang="en-GB" smtClean="0"/>
               <a:t>‹#›</a:t>
             </a:fld>
-            <a:endParaRPr lang="en-GB"/>
+            <a:endParaRPr lang="en-GB" dirty="0"/>
           </a:p>
         </p:txBody>
       </p:sp>
@@ -2846,10 +2846,10 @@
           <a:lstStyle/>
           <a:p>
             <a:r>
-              <a:rPr lang="en-US"/>
+              <a:rPr lang="en-US" dirty="0"/>
               <a:t>22/09/2017</a:t>
             </a:r>
-            <a:endParaRPr lang="en-GB"/>
+            <a:endParaRPr lang="en-GB" dirty="0"/>
           </a:p>
         </p:txBody>
       </p:sp>
@@ -2877,7 +2877,7 @@
           </a:lstStyle>
           <a:p>
             <a:r>
-              <a:rPr lang="en-GB"/>
+              <a:rPr lang="en-GB" dirty="0"/>
               <a:t>Boldizsár Kiss</a:t>
             </a:r>
           </a:p>
@@ -2902,7 +2902,7 @@
               <a:rPr lang="en-GB" smtClean="0"/>
               <a:t>‹#›</a:t>
             </a:fld>
-            <a:endParaRPr lang="en-GB"/>
+            <a:endParaRPr lang="en-GB" dirty="0"/>
           </a:p>
         </p:txBody>
       </p:sp>
@@ -3203,10 +3203,10 @@
           </a:lstStyle>
           <a:p>
             <a:r>
-              <a:rPr lang="en-US"/>
+              <a:rPr lang="en-US" dirty="0"/>
               <a:t>22/09/2017</a:t>
             </a:r>
-            <a:endParaRPr lang="en-GB"/>
+            <a:endParaRPr lang="en-GB" dirty="0"/>
           </a:p>
         </p:txBody>
       </p:sp>
@@ -3239,7 +3239,7 @@
           </a:lstStyle>
           <a:p>
             <a:r>
-              <a:rPr lang="en-GB"/>
+              <a:rPr lang="en-GB" dirty="0"/>
               <a:t>Boldizsár Kiss</a:t>
             </a:r>
           </a:p>
@@ -3272,7 +3272,7 @@
               <a:rPr lang="en-GB" smtClean="0"/>
               <a:t>‹#›</a:t>
             </a:fld>
-            <a:endParaRPr lang="en-GB"/>
+            <a:endParaRPr lang="en-GB" dirty="0"/>
           </a:p>
         </p:txBody>
       </p:sp>
@@ -3488,7 +3488,7 @@
           </a:lstStyle>
           <a:p>
             <a:r>
-              <a:rPr lang="hu-HU"/>
+              <a:rPr lang="hu-HU" dirty="0"/>
               <a:t>Kép beszúrásához kattintson az ikonra</a:t>
             </a:r>
             <a:endParaRPr lang="en-US" dirty="0"/>
@@ -3588,10 +3588,10 @@
           <a:lstStyle/>
           <a:p>
             <a:r>
-              <a:rPr lang="en-US"/>
+              <a:rPr lang="en-US" dirty="0"/>
               <a:t>22/09/2017</a:t>
             </a:r>
-            <a:endParaRPr lang="en-GB"/>
+            <a:endParaRPr lang="en-GB" dirty="0"/>
           </a:p>
         </p:txBody>
       </p:sp>
@@ -3611,7 +3611,7 @@
           <a:lstStyle/>
           <a:p>
             <a:r>
-              <a:rPr lang="en-GB"/>
+              <a:rPr lang="en-GB" dirty="0"/>
               <a:t>Boldizsár Kiss</a:t>
             </a:r>
           </a:p>
@@ -3636,7 +3636,7 @@
               <a:rPr lang="en-GB" smtClean="0"/>
               <a:t>‹#›</a:t>
             </a:fld>
-            <a:endParaRPr lang="en-GB"/>
+            <a:endParaRPr lang="en-GB" dirty="0"/>
           </a:p>
         </p:txBody>
       </p:sp>
@@ -3878,10 +3878,10 @@
           </a:lstStyle>
           <a:p>
             <a:r>
-              <a:rPr lang="en-US"/>
+              <a:rPr lang="en-US" dirty="0"/>
               <a:t>22/09/2017</a:t>
             </a:r>
-            <a:endParaRPr lang="en-GB"/>
+            <a:endParaRPr lang="en-GB" dirty="0"/>
           </a:p>
         </p:txBody>
       </p:sp>
@@ -3917,7 +3917,7 @@
           </a:lstStyle>
           <a:p>
             <a:r>
-              <a:rPr lang="en-GB"/>
+              <a:rPr lang="en-GB" dirty="0"/>
               <a:t>Boldizsár Kiss</a:t>
             </a:r>
           </a:p>
@@ -3958,7 +3958,7 @@
               <a:rPr lang="en-GB" smtClean="0"/>
               <a:t>‹#›</a:t>
             </a:fld>
-            <a:endParaRPr lang="en-GB"/>
+            <a:endParaRPr lang="en-GB" dirty="0"/>
           </a:p>
         </p:txBody>
       </p:sp>
@@ -4437,67 +4437,11 @@
           <a:p>
             <a:pPr algn="ctr"/>
             <a:r>
-              <a:rPr lang="hu-HU" sz="5000" dirty="0" err="1">
-                <a:latin typeface="Helvetica" panose="020B0604020202020204" pitchFamily="34" charset="0"/>
-                <a:cs typeface="Helvetica" panose="020B0604020202020204" pitchFamily="34" charset="0"/>
-              </a:rPr>
-              <a:t>Triangles</a:t>
-            </a:r>
-            <a:r>
               <a:rPr lang="hu-HU" sz="5000" dirty="0">
                 <a:latin typeface="Helvetica" panose="020B0604020202020204" pitchFamily="34" charset="0"/>
                 <a:cs typeface="Helvetica" panose="020B0604020202020204" pitchFamily="34" charset="0"/>
               </a:rPr>
-              <a:t>, </a:t>
-            </a:r>
-            <a:r>
-              <a:rPr lang="hu-HU" sz="5000" dirty="0" err="1">
-                <a:latin typeface="Helvetica" panose="020B0604020202020204" pitchFamily="34" charset="0"/>
-                <a:cs typeface="Helvetica" panose="020B0604020202020204" pitchFamily="34" charset="0"/>
-              </a:rPr>
-              <a:t>circles</a:t>
-            </a:r>
-            <a:r>
-              <a:rPr lang="hu-HU" sz="5000" dirty="0">
-                <a:latin typeface="Helvetica" panose="020B0604020202020204" pitchFamily="34" charset="0"/>
-                <a:cs typeface="Helvetica" panose="020B0604020202020204" pitchFamily="34" charset="0"/>
-              </a:rPr>
-              <a:t> and </a:t>
-            </a:r>
-            <a:r>
-              <a:rPr lang="hu-HU" sz="5000" dirty="0" err="1">
-                <a:latin typeface="Helvetica" panose="020B0604020202020204" pitchFamily="34" charset="0"/>
-                <a:cs typeface="Helvetica" panose="020B0604020202020204" pitchFamily="34" charset="0"/>
-              </a:rPr>
-              <a:t>other</a:t>
-            </a:r>
-            <a:r>
-              <a:rPr lang="hu-HU" sz="5000" dirty="0">
-                <a:latin typeface="Helvetica" panose="020B0604020202020204" pitchFamily="34" charset="0"/>
-                <a:cs typeface="Helvetica" panose="020B0604020202020204" pitchFamily="34" charset="0"/>
-              </a:rPr>
-              <a:t> mind-</a:t>
-            </a:r>
-            <a:r>
-              <a:rPr lang="hu-HU" sz="5000" dirty="0" err="1">
-                <a:latin typeface="Helvetica" panose="020B0604020202020204" pitchFamily="34" charset="0"/>
-                <a:cs typeface="Helvetica" panose="020B0604020202020204" pitchFamily="34" charset="0"/>
-              </a:rPr>
-              <a:t>blowing</a:t>
-            </a:r>
-            <a:r>
-              <a:rPr lang="hu-HU" sz="5000" dirty="0">
-                <a:latin typeface="Helvetica" panose="020B0604020202020204" pitchFamily="34" charset="0"/>
-                <a:cs typeface="Helvetica" panose="020B0604020202020204" pitchFamily="34" charset="0"/>
-              </a:rPr>
-              <a:t> </a:t>
-            </a:r>
-            <a:r>
-              <a:rPr lang="hu-HU" sz="5000" dirty="0" err="1">
-                <a:latin typeface="Helvetica" panose="020B0604020202020204" pitchFamily="34" charset="0"/>
-                <a:cs typeface="Helvetica" panose="020B0604020202020204" pitchFamily="34" charset="0"/>
-              </a:rPr>
-              <a:t>things</a:t>
+              <a:t>Triangles, circles and other mind-blowing things</a:t>
             </a:r>
             <a:endParaRPr lang="en-GB" sz="5000" dirty="0">
               <a:latin typeface="Helvetica" panose="020B0604020202020204" pitchFamily="34" charset="0"/>
@@ -4564,10 +4508,10 @@
           <a:lstStyle/>
           <a:p>
             <a:r>
-              <a:rPr lang="en-US"/>
+              <a:rPr lang="en-US" dirty="0"/>
               <a:t>22/09/2017</a:t>
             </a:r>
-            <a:endParaRPr lang="en-GB"/>
+            <a:endParaRPr lang="en-GB" dirty="0"/>
           </a:p>
         </p:txBody>
       </p:sp>
@@ -4593,7 +4537,7 @@
           <a:lstStyle/>
           <a:p>
             <a:r>
-              <a:rPr lang="en-GB"/>
+              <a:rPr lang="en-GB" dirty="0"/>
               <a:t>Boldizsár Kiss</a:t>
             </a:r>
           </a:p>
@@ -4624,7 +4568,7 @@
               <a:rPr lang="en-GB" smtClean="0"/>
               <a:t>1</a:t>
             </a:fld>
-            <a:endParaRPr lang="en-GB"/>
+            <a:endParaRPr lang="en-GB" dirty="0"/>
           </a:p>
         </p:txBody>
       </p:sp>
@@ -4735,18 +4679,11 @@
           <a:lstStyle/>
           <a:p>
             <a:r>
-              <a:rPr lang="hu-HU" sz="2800" dirty="0" err="1">
-                <a:latin typeface="Helvetica" panose="020B0604020202020204" pitchFamily="34" charset="0"/>
-                <a:cs typeface="Helvetica" panose="020B0604020202020204" pitchFamily="34" charset="0"/>
-              </a:rPr>
-              <a:t>Graphic</a:t>
-            </a:r>
-            <a:r>
               <a:rPr lang="hu-HU" sz="2800" dirty="0">
                 <a:latin typeface="Helvetica" panose="020B0604020202020204" pitchFamily="34" charset="0"/>
                 <a:cs typeface="Helvetica" panose="020B0604020202020204" pitchFamily="34" charset="0"/>
               </a:rPr>
-              <a:t> display</a:t>
+              <a:t>Graphic display</a:t>
             </a:r>
           </a:p>
           <a:p>
@@ -4764,35 +4701,7 @@
                 <a:latin typeface="Helvetica" panose="020B0604020202020204" pitchFamily="34" charset="0"/>
                 <a:cs typeface="Helvetica" panose="020B0604020202020204" pitchFamily="34" charset="0"/>
               </a:rPr>
-              <a:t>XAML </a:t>
-            </a:r>
-            <a:r>
-              <a:rPr lang="hu-HU" sz="2800" dirty="0" err="1">
-                <a:latin typeface="Helvetica" panose="020B0604020202020204" pitchFamily="34" charset="0"/>
-                <a:cs typeface="Helvetica" panose="020B0604020202020204" pitchFamily="34" charset="0"/>
-              </a:rPr>
-              <a:t>files</a:t>
-            </a:r>
-            <a:r>
-              <a:rPr lang="hu-HU" sz="2800" dirty="0">
-                <a:latin typeface="Helvetica" panose="020B0604020202020204" pitchFamily="34" charset="0"/>
-                <a:cs typeface="Helvetica" panose="020B0604020202020204" pitchFamily="34" charset="0"/>
-              </a:rPr>
-              <a:t> (</a:t>
-            </a:r>
-            <a:r>
-              <a:rPr lang="hu-HU" sz="2800" dirty="0" err="1">
-                <a:latin typeface="Helvetica" panose="020B0604020202020204" pitchFamily="34" charset="0"/>
-                <a:cs typeface="Helvetica" panose="020B0604020202020204" pitchFamily="34" charset="0"/>
-              </a:rPr>
-              <a:t>remember</a:t>
-            </a:r>
-            <a:r>
-              <a:rPr lang="hu-HU" sz="2800" dirty="0">
-                <a:latin typeface="Helvetica" panose="020B0604020202020204" pitchFamily="34" charset="0"/>
-                <a:cs typeface="Helvetica" panose="020B0604020202020204" pitchFamily="34" charset="0"/>
-              </a:rPr>
-              <a:t> CSS!)</a:t>
+              <a:t>XAML files (remember CSS!)</a:t>
             </a:r>
           </a:p>
           <a:p>
@@ -4834,10 +4743,10 @@
           <a:lstStyle/>
           <a:p>
             <a:r>
-              <a:rPr lang="en-US"/>
+              <a:rPr lang="en-US" dirty="0"/>
               <a:t>22/09/2017</a:t>
             </a:r>
-            <a:endParaRPr lang="en-GB"/>
+            <a:endParaRPr lang="en-GB" dirty="0"/>
           </a:p>
         </p:txBody>
       </p:sp>
@@ -4863,7 +4772,7 @@
           <a:lstStyle/>
           <a:p>
             <a:r>
-              <a:rPr lang="en-GB"/>
+              <a:rPr lang="en-GB" dirty="0"/>
               <a:t>Boldizsár Kiss</a:t>
             </a:r>
           </a:p>
@@ -4894,7 +4803,7 @@
               <a:rPr lang="en-GB" smtClean="0"/>
               <a:t>2</a:t>
             </a:fld>
-            <a:endParaRPr lang="en-GB"/>
+            <a:endParaRPr lang="en-GB" dirty="0"/>
           </a:p>
         </p:txBody>
       </p:sp>
@@ -5107,150 +5016,20 @@
           <a:lstStyle/>
           <a:p>
             <a:r>
-              <a:rPr lang="hu-HU" sz="3200" dirty="0" err="1">
-                <a:latin typeface="Helvetica" panose="020B0604020202020204" pitchFamily="34" charset="0"/>
-                <a:cs typeface="Helvetica" panose="020B0604020202020204" pitchFamily="34" charset="0"/>
-              </a:rPr>
-              <a:t>Avoiding</a:t>
-            </a:r>
-            <a:r>
               <a:rPr lang="hu-HU" sz="3200" dirty="0">
                 <a:latin typeface="Helvetica" panose="020B0604020202020204" pitchFamily="34" charset="0"/>
                 <a:cs typeface="Helvetica" panose="020B0604020202020204" pitchFamily="34" charset="0"/>
               </a:rPr>
-              <a:t> </a:t>
-            </a:r>
-            <a:r>
-              <a:rPr lang="hu-HU" sz="3200" dirty="0" err="1">
-                <a:latin typeface="Helvetica" panose="020B0604020202020204" pitchFamily="34" charset="0"/>
-                <a:cs typeface="Helvetica" panose="020B0604020202020204" pitchFamily="34" charset="0"/>
-              </a:rPr>
-              <a:t>loops</a:t>
-            </a:r>
+              <a:t>Avoiding loops without making the function call itself</a:t>
+            </a:r>
+          </a:p>
+          <a:p>
             <a:r>
               <a:rPr lang="hu-HU" sz="3200" dirty="0">
                 <a:latin typeface="Helvetica" panose="020B0604020202020204" pitchFamily="34" charset="0"/>
                 <a:cs typeface="Helvetica" panose="020B0604020202020204" pitchFamily="34" charset="0"/>
               </a:rPr>
-              <a:t> </a:t>
-            </a:r>
-            <a:r>
-              <a:rPr lang="hu-HU" sz="3200" dirty="0" err="1">
-                <a:latin typeface="Helvetica" panose="020B0604020202020204" pitchFamily="34" charset="0"/>
-                <a:cs typeface="Helvetica" panose="020B0604020202020204" pitchFamily="34" charset="0"/>
-              </a:rPr>
-              <a:t>without</a:t>
-            </a:r>
-            <a:r>
-              <a:rPr lang="hu-HU" sz="3200" dirty="0">
-                <a:latin typeface="Helvetica" panose="020B0604020202020204" pitchFamily="34" charset="0"/>
-                <a:cs typeface="Helvetica" panose="020B0604020202020204" pitchFamily="34" charset="0"/>
-              </a:rPr>
-              <a:t> </a:t>
-            </a:r>
-            <a:r>
-              <a:rPr lang="hu-HU" sz="3200" dirty="0" err="1">
-                <a:latin typeface="Helvetica" panose="020B0604020202020204" pitchFamily="34" charset="0"/>
-                <a:cs typeface="Helvetica" panose="020B0604020202020204" pitchFamily="34" charset="0"/>
-              </a:rPr>
-              <a:t>making</a:t>
-            </a:r>
-            <a:r>
-              <a:rPr lang="hu-HU" sz="3200" dirty="0">
-                <a:latin typeface="Helvetica" panose="020B0604020202020204" pitchFamily="34" charset="0"/>
-                <a:cs typeface="Helvetica" panose="020B0604020202020204" pitchFamily="34" charset="0"/>
-              </a:rPr>
-              <a:t> </a:t>
-            </a:r>
-            <a:r>
-              <a:rPr lang="hu-HU" sz="3200" dirty="0" err="1">
-                <a:latin typeface="Helvetica" panose="020B0604020202020204" pitchFamily="34" charset="0"/>
-                <a:cs typeface="Helvetica" panose="020B0604020202020204" pitchFamily="34" charset="0"/>
-              </a:rPr>
-              <a:t>the</a:t>
-            </a:r>
-            <a:r>
-              <a:rPr lang="hu-HU" sz="3200" dirty="0">
-                <a:latin typeface="Helvetica" panose="020B0604020202020204" pitchFamily="34" charset="0"/>
-                <a:cs typeface="Helvetica" panose="020B0604020202020204" pitchFamily="34" charset="0"/>
-              </a:rPr>
-              <a:t> </a:t>
-            </a:r>
-            <a:r>
-              <a:rPr lang="hu-HU" sz="3200" dirty="0" err="1">
-                <a:latin typeface="Helvetica" panose="020B0604020202020204" pitchFamily="34" charset="0"/>
-                <a:cs typeface="Helvetica" panose="020B0604020202020204" pitchFamily="34" charset="0"/>
-              </a:rPr>
-              <a:t>function</a:t>
-            </a:r>
-            <a:r>
-              <a:rPr lang="hu-HU" sz="3200" dirty="0">
-                <a:latin typeface="Helvetica" panose="020B0604020202020204" pitchFamily="34" charset="0"/>
-                <a:cs typeface="Helvetica" panose="020B0604020202020204" pitchFamily="34" charset="0"/>
-              </a:rPr>
-              <a:t> </a:t>
-            </a:r>
-            <a:r>
-              <a:rPr lang="hu-HU" sz="3200" dirty="0" err="1">
-                <a:latin typeface="Helvetica" panose="020B0604020202020204" pitchFamily="34" charset="0"/>
-                <a:cs typeface="Helvetica" panose="020B0604020202020204" pitchFamily="34" charset="0"/>
-              </a:rPr>
-              <a:t>call</a:t>
-            </a:r>
-            <a:r>
-              <a:rPr lang="hu-HU" sz="3200" dirty="0">
-                <a:latin typeface="Helvetica" panose="020B0604020202020204" pitchFamily="34" charset="0"/>
-                <a:cs typeface="Helvetica" panose="020B0604020202020204" pitchFamily="34" charset="0"/>
-              </a:rPr>
-              <a:t> </a:t>
-            </a:r>
-            <a:r>
-              <a:rPr lang="hu-HU" sz="3200" dirty="0" err="1">
-                <a:latin typeface="Helvetica" panose="020B0604020202020204" pitchFamily="34" charset="0"/>
-                <a:cs typeface="Helvetica" panose="020B0604020202020204" pitchFamily="34" charset="0"/>
-              </a:rPr>
-              <a:t>itself</a:t>
-            </a:r>
-            <a:endParaRPr lang="hu-HU" sz="3200" dirty="0">
-              <a:latin typeface="Helvetica" panose="020B0604020202020204" pitchFamily="34" charset="0"/>
-              <a:cs typeface="Helvetica" panose="020B0604020202020204" pitchFamily="34" charset="0"/>
-            </a:endParaRPr>
-          </a:p>
-          <a:p>
-            <a:r>
-              <a:rPr lang="hu-HU" sz="3200" dirty="0" err="1">
-                <a:latin typeface="Helvetica" panose="020B0604020202020204" pitchFamily="34" charset="0"/>
-                <a:cs typeface="Helvetica" panose="020B0604020202020204" pitchFamily="34" charset="0"/>
-              </a:rPr>
-              <a:t>Conditions</a:t>
-            </a:r>
-            <a:r>
-              <a:rPr lang="hu-HU" sz="3200" dirty="0">
-                <a:latin typeface="Helvetica" panose="020B0604020202020204" pitchFamily="34" charset="0"/>
-                <a:cs typeface="Helvetica" panose="020B0604020202020204" pitchFamily="34" charset="0"/>
-              </a:rPr>
-              <a:t> </a:t>
-            </a:r>
-            <a:r>
-              <a:rPr lang="hu-HU" sz="3200" dirty="0" err="1">
-                <a:latin typeface="Helvetica" panose="020B0604020202020204" pitchFamily="34" charset="0"/>
-                <a:cs typeface="Helvetica" panose="020B0604020202020204" pitchFamily="34" charset="0"/>
-              </a:rPr>
-              <a:t>are</a:t>
-            </a:r>
-            <a:r>
-              <a:rPr lang="hu-HU" sz="3200" dirty="0">
-                <a:latin typeface="Helvetica" panose="020B0604020202020204" pitchFamily="34" charset="0"/>
-                <a:cs typeface="Helvetica" panose="020B0604020202020204" pitchFamily="34" charset="0"/>
-              </a:rPr>
-              <a:t> </a:t>
-            </a:r>
-            <a:r>
-              <a:rPr lang="hu-HU" sz="3200" dirty="0" err="1">
-                <a:latin typeface="Helvetica" panose="020B0604020202020204" pitchFamily="34" charset="0"/>
-                <a:cs typeface="Helvetica" panose="020B0604020202020204" pitchFamily="34" charset="0"/>
-              </a:rPr>
-              <a:t>necessary</a:t>
+              <a:t>Conditions are necessary</a:t>
             </a:r>
             <a:endParaRPr lang="en-GB" sz="3200" dirty="0">
               <a:latin typeface="Helvetica" panose="020B0604020202020204" pitchFamily="34" charset="0"/>
@@ -5281,10 +5060,10 @@
           <a:lstStyle/>
           <a:p>
             <a:r>
-              <a:rPr lang="en-US"/>
+              <a:rPr lang="en-US" dirty="0"/>
               <a:t>22/09/2017</a:t>
             </a:r>
-            <a:endParaRPr lang="en-GB"/>
+            <a:endParaRPr lang="en-GB" dirty="0"/>
           </a:p>
         </p:txBody>
       </p:sp>
@@ -5310,7 +5089,7 @@
           <a:lstStyle/>
           <a:p>
             <a:r>
-              <a:rPr lang="en-GB"/>
+              <a:rPr lang="en-GB" dirty="0"/>
               <a:t>Boldizsár Kiss</a:t>
             </a:r>
           </a:p>
@@ -5341,16 +5120,16 @@
               <a:rPr lang="en-GB" smtClean="0"/>
               <a:t>3</a:t>
             </a:fld>
-            <a:endParaRPr lang="en-GB"/>
+            <a:endParaRPr lang="en-GB" dirty="0"/>
           </a:p>
         </p:txBody>
       </p:sp>
       <p:pic>
         <p:nvPicPr>
-          <p:cNvPr id="7" name="Kép 6">
+          <p:cNvPr id="8" name="Kép 7">
             <a:extLst>
               <a:ext uri="{FF2B5EF4-FFF2-40B4-BE49-F238E27FC236}">
-                <a16:creationId xmlns:a16="http://schemas.microsoft.com/office/drawing/2014/main" id="{C9CE49E7-20C2-4E8D-A208-327FB64E6960}"/>
+                <a16:creationId xmlns:a16="http://schemas.microsoft.com/office/drawing/2014/main" id="{8F7C7A12-274F-4DDA-A79A-467F201EB2D8}"/>
               </a:ext>
             </a:extLst>
           </p:cNvPr>
@@ -5367,8 +5146,8 @@
         </p:blipFill>
         <p:spPr>
           <a:xfrm>
-            <a:off x="1045468" y="3571461"/>
-            <a:ext cx="7098781" cy="2498771"/>
+            <a:off x="2429741" y="3568150"/>
+            <a:ext cx="4286898" cy="2596290"/>
           </a:xfrm>
           <a:prstGeom prst="rect">
             <a:avLst/>
@@ -5464,10 +5243,10 @@
           <a:lstStyle/>
           <a:p>
             <a:r>
-              <a:rPr lang="en-US"/>
+              <a:rPr lang="en-US" dirty="0"/>
               <a:t>22/09/2017</a:t>
             </a:r>
-            <a:endParaRPr lang="en-GB"/>
+            <a:endParaRPr lang="en-GB" dirty="0"/>
           </a:p>
         </p:txBody>
       </p:sp>
@@ -5493,7 +5272,7 @@
           <a:lstStyle/>
           <a:p>
             <a:r>
-              <a:rPr lang="en-GB"/>
+              <a:rPr lang="en-GB" dirty="0"/>
               <a:t>Boldizsár Kiss</a:t>
             </a:r>
           </a:p>
@@ -5524,7 +5303,7 @@
               <a:rPr lang="en-GB" smtClean="0"/>
               <a:t>4</a:t>
             </a:fld>
-            <a:endParaRPr lang="en-GB"/>
+            <a:endParaRPr lang="en-GB" dirty="0"/>
           </a:p>
         </p:txBody>
       </p:sp>
@@ -5593,146 +5372,36 @@
           <a:lstStyle/>
           <a:p>
             <a:r>
-              <a:rPr lang="hu-HU" sz="2800" dirty="0" err="1">
-                <a:latin typeface="Helvetica" panose="020B0604020202020204" pitchFamily="34" charset="0"/>
-                <a:cs typeface="Helvetica" panose="020B0604020202020204" pitchFamily="34" charset="0"/>
-              </a:rPr>
-              <a:t>Combination</a:t>
-            </a:r>
-            <a:r>
               <a:rPr lang="hu-HU" sz="2800" dirty="0">
                 <a:latin typeface="Helvetica" panose="020B0604020202020204" pitchFamily="34" charset="0"/>
                 <a:cs typeface="Helvetica" panose="020B0604020202020204" pitchFamily="34" charset="0"/>
               </a:rPr>
-              <a:t> of </a:t>
-            </a:r>
-            <a:r>
-              <a:rPr lang="hu-HU" sz="2800" dirty="0" err="1">
-                <a:latin typeface="Helvetica" panose="020B0604020202020204" pitchFamily="34" charset="0"/>
-                <a:cs typeface="Helvetica" panose="020B0604020202020204" pitchFamily="34" charset="0"/>
-              </a:rPr>
-              <a:t>graphic</a:t>
-            </a:r>
+              <a:t>Combination of graphic display and recursion</a:t>
+            </a:r>
+          </a:p>
+          <a:p>
+            <a:endParaRPr lang="hu-HU" sz="2800" dirty="0">
+              <a:latin typeface="Helvetica" panose="020B0604020202020204" pitchFamily="34" charset="0"/>
+              <a:cs typeface="Helvetica" panose="020B0604020202020204" pitchFamily="34" charset="0"/>
+            </a:endParaRPr>
+          </a:p>
+          <a:p>
             <a:r>
               <a:rPr lang="hu-HU" sz="2800" dirty="0">
                 <a:latin typeface="Helvetica" panose="020B0604020202020204" pitchFamily="34" charset="0"/>
                 <a:cs typeface="Helvetica" panose="020B0604020202020204" pitchFamily="34" charset="0"/>
               </a:rPr>
-              <a:t> display and </a:t>
-            </a:r>
-            <a:r>
-              <a:rPr lang="hu-HU" sz="2800" dirty="0" err="1">
-                <a:latin typeface="Helvetica" panose="020B0604020202020204" pitchFamily="34" charset="0"/>
-                <a:cs typeface="Helvetica" panose="020B0604020202020204" pitchFamily="34" charset="0"/>
-              </a:rPr>
-              <a:t>recursion</a:t>
-            </a:r>
-            <a:endParaRPr lang="hu-HU" sz="2800" dirty="0">
-              <a:latin typeface="Helvetica" panose="020B0604020202020204" pitchFamily="34" charset="0"/>
-              <a:cs typeface="Helvetica" panose="020B0604020202020204" pitchFamily="34" charset="0"/>
-            </a:endParaRPr>
-          </a:p>
-          <a:p>
-            <a:endParaRPr lang="hu-HU" sz="2800" dirty="0">
-              <a:latin typeface="Helvetica" panose="020B0604020202020204" pitchFamily="34" charset="0"/>
-              <a:cs typeface="Helvetica" panose="020B0604020202020204" pitchFamily="34" charset="0"/>
-            </a:endParaRPr>
-          </a:p>
-          <a:p>
-            <a:r>
-              <a:rPr lang="hu-HU" sz="2800" dirty="0" err="1">
-                <a:latin typeface="Helvetica" panose="020B0604020202020204" pitchFamily="34" charset="0"/>
-                <a:cs typeface="Helvetica" panose="020B0604020202020204" pitchFamily="34" charset="0"/>
-              </a:rPr>
-              <a:t>Can</a:t>
-            </a:r>
+              <a:t>Can be funny and annoying</a:t>
+            </a:r>
+          </a:p>
+          <a:p>
             <a:r>
               <a:rPr lang="hu-HU" sz="2800" dirty="0">
                 <a:latin typeface="Helvetica" panose="020B0604020202020204" pitchFamily="34" charset="0"/>
                 <a:cs typeface="Helvetica" panose="020B0604020202020204" pitchFamily="34" charset="0"/>
               </a:rPr>
-              <a:t> be </a:t>
-            </a:r>
-            <a:r>
-              <a:rPr lang="hu-HU" sz="2800" dirty="0" err="1">
-                <a:latin typeface="Helvetica" panose="020B0604020202020204" pitchFamily="34" charset="0"/>
-                <a:cs typeface="Helvetica" panose="020B0604020202020204" pitchFamily="34" charset="0"/>
-              </a:rPr>
-              <a:t>funny</a:t>
-            </a:r>
-            <a:r>
-              <a:rPr lang="hu-HU" sz="2800" dirty="0">
-                <a:latin typeface="Helvetica" panose="020B0604020202020204" pitchFamily="34" charset="0"/>
-                <a:cs typeface="Helvetica" panose="020B0604020202020204" pitchFamily="34" charset="0"/>
-              </a:rPr>
-              <a:t> and </a:t>
-            </a:r>
-            <a:r>
-              <a:rPr lang="hu-HU" sz="2800" dirty="0" err="1">
-                <a:latin typeface="Helvetica" panose="020B0604020202020204" pitchFamily="34" charset="0"/>
-                <a:cs typeface="Helvetica" panose="020B0604020202020204" pitchFamily="34" charset="0"/>
-              </a:rPr>
-              <a:t>annoying</a:t>
-            </a:r>
-            <a:endParaRPr lang="hu-HU" sz="2800" dirty="0">
-              <a:latin typeface="Helvetica" panose="020B0604020202020204" pitchFamily="34" charset="0"/>
-              <a:cs typeface="Helvetica" panose="020B0604020202020204" pitchFamily="34" charset="0"/>
-            </a:endParaRPr>
-          </a:p>
-          <a:p>
-            <a:r>
-              <a:rPr lang="hu-HU" sz="2800" dirty="0" err="1">
-                <a:latin typeface="Helvetica" panose="020B0604020202020204" pitchFamily="34" charset="0"/>
-                <a:cs typeface="Helvetica" panose="020B0604020202020204" pitchFamily="34" charset="0"/>
-              </a:rPr>
-              <a:t>at</a:t>
-            </a:r>
-            <a:r>
-              <a:rPr lang="hu-HU" sz="2800" dirty="0">
-                <a:latin typeface="Helvetica" panose="020B0604020202020204" pitchFamily="34" charset="0"/>
-                <a:cs typeface="Helvetica" panose="020B0604020202020204" pitchFamily="34" charset="0"/>
-              </a:rPr>
-              <a:t> </a:t>
-            </a:r>
-            <a:r>
-              <a:rPr lang="hu-HU" sz="2800" dirty="0" err="1">
-                <a:latin typeface="Helvetica" panose="020B0604020202020204" pitchFamily="34" charset="0"/>
-                <a:cs typeface="Helvetica" panose="020B0604020202020204" pitchFamily="34" charset="0"/>
-              </a:rPr>
-              <a:t>the</a:t>
-            </a:r>
-            <a:r>
-              <a:rPr lang="hu-HU" sz="2800" dirty="0">
-                <a:latin typeface="Helvetica" panose="020B0604020202020204" pitchFamily="34" charset="0"/>
-                <a:cs typeface="Helvetica" panose="020B0604020202020204" pitchFamily="34" charset="0"/>
-              </a:rPr>
-              <a:t> </a:t>
-            </a:r>
-            <a:r>
-              <a:rPr lang="hu-HU" sz="2800" dirty="0" err="1">
-                <a:latin typeface="Helvetica" panose="020B0604020202020204" pitchFamily="34" charset="0"/>
-                <a:cs typeface="Helvetica" panose="020B0604020202020204" pitchFamily="34" charset="0"/>
-              </a:rPr>
-              <a:t>same</a:t>
-            </a:r>
-            <a:r>
-              <a:rPr lang="hu-HU" sz="2800" dirty="0">
-                <a:latin typeface="Helvetica" panose="020B0604020202020204" pitchFamily="34" charset="0"/>
-                <a:cs typeface="Helvetica" panose="020B0604020202020204" pitchFamily="34" charset="0"/>
-              </a:rPr>
-              <a:t> </a:t>
-            </a:r>
-            <a:r>
-              <a:rPr lang="hu-HU" sz="2800" dirty="0" err="1">
-                <a:latin typeface="Helvetica" panose="020B0604020202020204" pitchFamily="34" charset="0"/>
-                <a:cs typeface="Helvetica" panose="020B0604020202020204" pitchFamily="34" charset="0"/>
-              </a:rPr>
-              <a:t>time</a:t>
-            </a:r>
-            <a:endParaRPr lang="hu-HU" sz="2800" dirty="0">
-              <a:latin typeface="Helvetica" panose="020B0604020202020204" pitchFamily="34" charset="0"/>
-              <a:cs typeface="Helvetica" panose="020B0604020202020204" pitchFamily="34" charset="0"/>
-            </a:endParaRPr>
+              <a:t>at the same time</a:t>
+            </a:r>
           </a:p>
         </p:txBody>
       </p:sp>
@@ -5825,10 +5494,10 @@
           <a:lstStyle/>
           <a:p>
             <a:r>
-              <a:rPr lang="en-US"/>
+              <a:rPr lang="en-US" dirty="0"/>
               <a:t>22/09/2017</a:t>
             </a:r>
-            <a:endParaRPr lang="en-GB"/>
+            <a:endParaRPr lang="en-GB" dirty="0"/>
           </a:p>
         </p:txBody>
       </p:sp>
@@ -5854,7 +5523,7 @@
           <a:lstStyle/>
           <a:p>
             <a:r>
-              <a:rPr lang="en-GB"/>
+              <a:rPr lang="en-GB" dirty="0"/>
               <a:t>Boldizsár Kiss</a:t>
             </a:r>
           </a:p>
@@ -5885,7 +5554,7 @@
               <a:rPr lang="en-GB" smtClean="0"/>
               <a:t>5</a:t>
             </a:fld>
-            <a:endParaRPr lang="en-GB"/>
+            <a:endParaRPr lang="en-GB" dirty="0"/>
           </a:p>
         </p:txBody>
       </p:sp>
@@ -6086,10 +5755,10 @@
           <a:lstStyle/>
           <a:p>
             <a:r>
-              <a:rPr lang="en-US"/>
+              <a:rPr lang="en-US" dirty="0"/>
               <a:t>22/09/2017</a:t>
             </a:r>
-            <a:endParaRPr lang="en-GB"/>
+            <a:endParaRPr lang="en-GB" dirty="0"/>
           </a:p>
         </p:txBody>
       </p:sp>
@@ -6115,7 +5784,7 @@
           <a:lstStyle/>
           <a:p>
             <a:r>
-              <a:rPr lang="en-GB"/>
+              <a:rPr lang="en-GB" dirty="0"/>
               <a:t>Boldizsár Kiss</a:t>
             </a:r>
           </a:p>
@@ -6146,7 +5815,7 @@
               <a:rPr lang="en-GB" smtClean="0"/>
               <a:t>6</a:t>
             </a:fld>
-            <a:endParaRPr lang="en-GB"/>
+            <a:endParaRPr lang="en-GB" dirty="0"/>
           </a:p>
         </p:txBody>
       </p:sp>
@@ -6329,10 +5998,10 @@
           <a:lstStyle/>
           <a:p>
             <a:r>
-              <a:rPr lang="en-US"/>
+              <a:rPr lang="en-US" dirty="0"/>
               <a:t>22/09/2017</a:t>
             </a:r>
-            <a:endParaRPr lang="en-GB"/>
+            <a:endParaRPr lang="en-GB" dirty="0"/>
           </a:p>
         </p:txBody>
       </p:sp>
@@ -6358,7 +6027,7 @@
           <a:lstStyle/>
           <a:p>
             <a:r>
-              <a:rPr lang="en-GB"/>
+              <a:rPr lang="en-GB" dirty="0"/>
               <a:t>Boldizsár Kiss</a:t>
             </a:r>
           </a:p>
@@ -6389,7 +6058,7 @@
               <a:rPr lang="en-GB" smtClean="0"/>
               <a:t>7</a:t>
             </a:fld>
-            <a:endParaRPr lang="en-GB"/>
+            <a:endParaRPr lang="en-GB" dirty="0"/>
           </a:p>
         </p:txBody>
       </p:sp>
@@ -6477,10 +6146,10 @@
           <a:lstStyle/>
           <a:p>
             <a:r>
-              <a:rPr lang="en-US"/>
+              <a:rPr lang="en-US" dirty="0"/>
               <a:t>22/09/2017</a:t>
             </a:r>
-            <a:endParaRPr lang="en-GB"/>
+            <a:endParaRPr lang="en-GB" dirty="0"/>
           </a:p>
         </p:txBody>
       </p:sp>
@@ -6506,7 +6175,7 @@
           <a:lstStyle/>
           <a:p>
             <a:r>
-              <a:rPr lang="en-GB"/>
+              <a:rPr lang="en-GB" dirty="0"/>
               <a:t>Boldizsár Kiss</a:t>
             </a:r>
           </a:p>
@@ -6537,7 +6206,7 @@
               <a:rPr lang="en-GB" smtClean="0"/>
               <a:t>8</a:t>
             </a:fld>
-            <a:endParaRPr lang="en-GB"/>
+            <a:endParaRPr lang="en-GB" dirty="0"/>
           </a:p>
         </p:txBody>
       </p:sp>
@@ -6626,46 +6295,11 @@
           <a:p>
             <a:pPr algn="ctr"/>
             <a:r>
-              <a:rPr lang="hu-HU" sz="6000" dirty="0" err="1">
-                <a:latin typeface="Helvetica" panose="020B0604020202020204" pitchFamily="34" charset="0"/>
-                <a:cs typeface="Helvetica" panose="020B0604020202020204" pitchFamily="34" charset="0"/>
-              </a:rPr>
-              <a:t>Thanks</a:t>
-            </a:r>
-            <a:r>
               <a:rPr lang="hu-HU" sz="6000" dirty="0">
                 <a:latin typeface="Helvetica" panose="020B0604020202020204" pitchFamily="34" charset="0"/>
                 <a:cs typeface="Helvetica" panose="020B0604020202020204" pitchFamily="34" charset="0"/>
               </a:rPr>
-              <a:t> </a:t>
-            </a:r>
-            <a:r>
-              <a:rPr lang="hu-HU" sz="6000" dirty="0" err="1">
-                <a:latin typeface="Helvetica" panose="020B0604020202020204" pitchFamily="34" charset="0"/>
-                <a:cs typeface="Helvetica" panose="020B0604020202020204" pitchFamily="34" charset="0"/>
-              </a:rPr>
-              <a:t>for</a:t>
-            </a:r>
-            <a:r>
-              <a:rPr lang="hu-HU" sz="6000" dirty="0">
-                <a:latin typeface="Helvetica" panose="020B0604020202020204" pitchFamily="34" charset="0"/>
-                <a:cs typeface="Helvetica" panose="020B0604020202020204" pitchFamily="34" charset="0"/>
-              </a:rPr>
-              <a:t> </a:t>
-            </a:r>
-            <a:r>
-              <a:rPr lang="hu-HU" sz="6000" dirty="0" err="1">
-                <a:latin typeface="Helvetica" panose="020B0604020202020204" pitchFamily="34" charset="0"/>
-                <a:cs typeface="Helvetica" panose="020B0604020202020204" pitchFamily="34" charset="0"/>
-              </a:rPr>
-              <a:t>watching</a:t>
-            </a:r>
-            <a:r>
-              <a:rPr lang="hu-HU" sz="6000" dirty="0">
-                <a:latin typeface="Helvetica" panose="020B0604020202020204" pitchFamily="34" charset="0"/>
-                <a:cs typeface="Helvetica" panose="020B0604020202020204" pitchFamily="34" charset="0"/>
-              </a:rPr>
-              <a:t>!</a:t>
+              <a:t>Thanks for watching!</a:t>
             </a:r>
             <a:endParaRPr lang="en-GB" sz="6000" dirty="0">
               <a:latin typeface="Helvetica" panose="020B0604020202020204" pitchFamily="34" charset="0"/>
@@ -6696,10 +6330,10 @@
           <a:lstStyle/>
           <a:p>
             <a:r>
-              <a:rPr lang="en-US"/>
+              <a:rPr lang="en-US" dirty="0"/>
               <a:t>22/09/2017</a:t>
             </a:r>
-            <a:endParaRPr lang="en-GB"/>
+            <a:endParaRPr lang="en-GB" dirty="0"/>
           </a:p>
         </p:txBody>
       </p:sp>
@@ -6725,7 +6359,7 @@
           <a:lstStyle/>
           <a:p>
             <a:r>
-              <a:rPr lang="en-GB"/>
+              <a:rPr lang="en-GB" dirty="0"/>
               <a:t>Boldizsár Kiss</a:t>
             </a:r>
           </a:p>
@@ -6756,7 +6390,7 @@
               <a:rPr lang="en-GB" smtClean="0"/>
               <a:t>9</a:t>
             </a:fld>
-            <a:endParaRPr lang="en-GB"/>
+            <a:endParaRPr lang="en-GB" dirty="0"/>
           </a:p>
         </p:txBody>
       </p:sp>

--- a/week03/day05/demo/ppt-w03.pptx
+++ b/week03/day05/demo/ppt-w03.pptx
@@ -5660,6 +5660,42 @@
           <a:xfrm>
             <a:off x="822960" y="4244678"/>
             <a:ext cx="1990513" cy="1957338"/>
+          </a:xfrm>
+          <a:prstGeom prst="rect">
+            <a:avLst/>
+          </a:prstGeom>
+        </p:spPr>
+      </p:pic>
+      <p:pic>
+        <p:nvPicPr>
+          <p:cNvPr id="8" name="Kép 7">
+            <a:extLst>
+              <a:ext uri="{FF2B5EF4-FFF2-40B4-BE49-F238E27FC236}">
+                <a16:creationId xmlns:a16="http://schemas.microsoft.com/office/drawing/2014/main" id="{A9AD618B-2795-4230-81F7-49FE6B3FEBBB}"/>
+              </a:ext>
+            </a:extLst>
+          </p:cNvPr>
+          <p:cNvPicPr>
+            <a:picLocks noChangeAspect="1"/>
+          </p:cNvPicPr>
+          <p:nvPr/>
+        </p:nvPicPr>
+        <p:blipFill>
+          <a:blip r:embed="rId5">
+            <a:extLst>
+              <a:ext uri="{28A0092B-C50C-407E-A947-70E740481C1C}">
+                <a14:useLocalDpi xmlns:a14="http://schemas.microsoft.com/office/drawing/2010/main" val="0"/>
+              </a:ext>
+            </a:extLst>
+          </a:blip>
+          <a:stretch>
+            <a:fillRect/>
+          </a:stretch>
+        </p:blipFill>
+        <p:spPr>
+          <a:xfrm>
+            <a:off x="1504790" y="3685271"/>
+            <a:ext cx="626851" cy="525301"/>
           </a:xfrm>
           <a:prstGeom prst="rect">
             <a:avLst/>
